--- a/les outlis maquettage/les outlis maquettage.pptx
+++ b/les outlis maquettage/les outlis maquettage.pptx
@@ -5,22 +5,21 @@
     <p:sldMasterId id="2147483672" r:id="rId4"/>
   </p:sldMasterIdLst>
   <p:notesMasterIdLst>
-    <p:notesMasterId r:id="rId15"/>
+    <p:notesMasterId r:id="rId14"/>
   </p:notesMasterIdLst>
   <p:handoutMasterIdLst>
-    <p:handoutMasterId r:id="rId16"/>
+    <p:handoutMasterId r:id="rId15"/>
   </p:handoutMasterIdLst>
   <p:sldIdLst>
     <p:sldId id="256" r:id="rId5"/>
-    <p:sldId id="261" r:id="rId6"/>
-    <p:sldId id="259" r:id="rId7"/>
-    <p:sldId id="260" r:id="rId8"/>
-    <p:sldId id="262" r:id="rId9"/>
-    <p:sldId id="263" r:id="rId10"/>
-    <p:sldId id="264" r:id="rId11"/>
-    <p:sldId id="265" r:id="rId12"/>
-    <p:sldId id="266" r:id="rId13"/>
-    <p:sldId id="267" r:id="rId14"/>
+    <p:sldId id="259" r:id="rId6"/>
+    <p:sldId id="260" r:id="rId7"/>
+    <p:sldId id="262" r:id="rId8"/>
+    <p:sldId id="263" r:id="rId9"/>
+    <p:sldId id="264" r:id="rId10"/>
+    <p:sldId id="265" r:id="rId11"/>
+    <p:sldId id="266" r:id="rId12"/>
+    <p:sldId id="267" r:id="rId13"/>
   </p:sldIdLst>
   <p:sldSz cx="12192000" cy="6858000"/>
   <p:notesSz cx="6858000" cy="9144000"/>
@@ -131,755 +130,6 @@
 </file>
 
 <file path=ppt/diagrams/colors1.xml><?xml version="1.0" encoding="utf-8"?>
-<dgm:colorsDef xmlns:dgm="http://schemas.openxmlformats.org/drawingml/2006/diagram" xmlns:a="http://schemas.openxmlformats.org/drawingml/2006/main" uniqueId="urn:microsoft.com/office/officeart/2018/5/colors/Iconchunking_neutralbg_accent2_2">
-  <dgm:title val=""/>
-  <dgm:desc val=""/>
-  <dgm:catLst>
-    <dgm:cat type="accent2" pri="11200"/>
-  </dgm:catLst>
-  <dgm:styleLbl name="node0">
-    <dgm:fillClrLst meth="repeat">
-      <a:schemeClr val="accent2"/>
-    </dgm:fillClrLst>
-    <dgm:linClrLst meth="repeat">
-      <a:schemeClr val="lt1"/>
-    </dgm:linClrLst>
-    <dgm:effectClrLst/>
-    <dgm:txLinClrLst/>
-    <dgm:txFillClrLst/>
-    <dgm:txEffectClrLst/>
-  </dgm:styleLbl>
-  <dgm:styleLbl name="node1">
-    <dgm:fillClrLst meth="repeat">
-      <a:schemeClr val="accent2"/>
-    </dgm:fillClrLst>
-    <dgm:linClrLst meth="repeat">
-      <a:schemeClr val="lt1">
-        <a:alpha val="0"/>
-      </a:schemeClr>
-    </dgm:linClrLst>
-    <dgm:effectClrLst/>
-    <dgm:txLinClrLst/>
-    <dgm:txFillClrLst/>
-    <dgm:txEffectClrLst/>
-  </dgm:styleLbl>
-  <dgm:styleLbl name="alignNode1">
-    <dgm:fillClrLst meth="repeat">
-      <a:schemeClr val="accent2"/>
-    </dgm:fillClrLst>
-    <dgm:linClrLst meth="repeat">
-      <a:schemeClr val="accent2"/>
-    </dgm:linClrLst>
-    <dgm:effectClrLst/>
-    <dgm:txLinClrLst/>
-    <dgm:txFillClrLst/>
-    <dgm:txEffectClrLst/>
-  </dgm:styleLbl>
-  <dgm:styleLbl name="lnNode1">
-    <dgm:fillClrLst meth="repeat">
-      <a:schemeClr val="accent2"/>
-    </dgm:fillClrLst>
-    <dgm:linClrLst meth="repeat">
-      <a:schemeClr val="lt1"/>
-    </dgm:linClrLst>
-    <dgm:effectClrLst/>
-    <dgm:txLinClrLst/>
-    <dgm:txFillClrLst/>
-    <dgm:txEffectClrLst/>
-  </dgm:styleLbl>
-  <dgm:styleLbl name="vennNode1">
-    <dgm:fillClrLst meth="repeat">
-      <a:schemeClr val="accent2">
-        <a:alpha val="50000"/>
-      </a:schemeClr>
-    </dgm:fillClrLst>
-    <dgm:linClrLst meth="repeat">
-      <a:schemeClr val="lt1"/>
-    </dgm:linClrLst>
-    <dgm:effectClrLst/>
-    <dgm:txLinClrLst/>
-    <dgm:txFillClrLst/>
-    <dgm:txEffectClrLst/>
-  </dgm:styleLbl>
-  <dgm:styleLbl name="node2">
-    <dgm:fillClrLst meth="repeat">
-      <a:schemeClr val="accent2"/>
-    </dgm:fillClrLst>
-    <dgm:linClrLst meth="repeat">
-      <a:schemeClr val="lt1"/>
-    </dgm:linClrLst>
-    <dgm:effectClrLst/>
-    <dgm:txLinClrLst/>
-    <dgm:txFillClrLst/>
-    <dgm:txEffectClrLst/>
-  </dgm:styleLbl>
-  <dgm:styleLbl name="node3">
-    <dgm:fillClrLst meth="repeat">
-      <a:schemeClr val="accent2"/>
-    </dgm:fillClrLst>
-    <dgm:linClrLst meth="repeat">
-      <a:schemeClr val="lt1"/>
-    </dgm:linClrLst>
-    <dgm:effectClrLst/>
-    <dgm:txLinClrLst/>
-    <dgm:txFillClrLst/>
-    <dgm:txEffectClrLst/>
-  </dgm:styleLbl>
-  <dgm:styleLbl name="node4">
-    <dgm:fillClrLst meth="repeat">
-      <a:schemeClr val="accent2"/>
-    </dgm:fillClrLst>
-    <dgm:linClrLst meth="repeat">
-      <a:schemeClr val="lt1"/>
-    </dgm:linClrLst>
-    <dgm:effectClrLst/>
-    <dgm:txLinClrLst/>
-    <dgm:txFillClrLst/>
-    <dgm:txEffectClrLst/>
-  </dgm:styleLbl>
-  <dgm:styleLbl name="fgImgPlace1">
-    <dgm:fillClrLst meth="repeat">
-      <a:schemeClr val="accent2">
-        <a:tint val="50000"/>
-      </a:schemeClr>
-    </dgm:fillClrLst>
-    <dgm:linClrLst meth="repeat">
-      <a:schemeClr val="lt1"/>
-    </dgm:linClrLst>
-    <dgm:effectClrLst/>
-    <dgm:txLinClrLst/>
-    <dgm:txFillClrLst meth="repeat">
-      <a:schemeClr val="lt1"/>
-    </dgm:txFillClrLst>
-    <dgm:txEffectClrLst/>
-  </dgm:styleLbl>
-  <dgm:styleLbl name="alignImgPlace1">
-    <dgm:fillClrLst meth="repeat">
-      <a:schemeClr val="accent2">
-        <a:tint val="50000"/>
-      </a:schemeClr>
-    </dgm:fillClrLst>
-    <dgm:linClrLst meth="repeat">
-      <a:schemeClr val="lt1"/>
-    </dgm:linClrLst>
-    <dgm:effectClrLst/>
-    <dgm:txLinClrLst/>
-    <dgm:txFillClrLst meth="repeat">
-      <a:schemeClr val="lt1"/>
-    </dgm:txFillClrLst>
-    <dgm:txEffectClrLst/>
-  </dgm:styleLbl>
-  <dgm:styleLbl name="bgImgPlace1">
-    <dgm:fillClrLst meth="repeat">
-      <a:schemeClr val="accent2">
-        <a:tint val="50000"/>
-      </a:schemeClr>
-    </dgm:fillClrLst>
-    <dgm:linClrLst meth="repeat">
-      <a:schemeClr val="lt1"/>
-    </dgm:linClrLst>
-    <dgm:effectClrLst/>
-    <dgm:txLinClrLst/>
-    <dgm:txFillClrLst meth="repeat">
-      <a:schemeClr val="lt1"/>
-    </dgm:txFillClrLst>
-    <dgm:txEffectClrLst/>
-  </dgm:styleLbl>
-  <dgm:styleLbl name="sibTrans2D1">
-    <dgm:fillClrLst meth="repeat">
-      <a:schemeClr val="accent2">
-        <a:tint val="60000"/>
-      </a:schemeClr>
-    </dgm:fillClrLst>
-    <dgm:linClrLst meth="repeat">
-      <a:schemeClr val="accent2">
-        <a:tint val="60000"/>
-      </a:schemeClr>
-    </dgm:linClrLst>
-    <dgm:effectClrLst/>
-    <dgm:txLinClrLst/>
-    <dgm:txFillClrLst/>
-    <dgm:txEffectClrLst/>
-  </dgm:styleLbl>
-  <dgm:styleLbl name="fgSibTrans2D1">
-    <dgm:fillClrLst meth="repeat">
-      <a:schemeClr val="accent2">
-        <a:tint val="60000"/>
-      </a:schemeClr>
-    </dgm:fillClrLst>
-    <dgm:linClrLst meth="repeat">
-      <a:schemeClr val="accent2">
-        <a:tint val="60000"/>
-      </a:schemeClr>
-    </dgm:linClrLst>
-    <dgm:effectClrLst/>
-    <dgm:txLinClrLst/>
-    <dgm:txFillClrLst/>
-    <dgm:txEffectClrLst/>
-  </dgm:styleLbl>
-  <dgm:styleLbl name="bgSibTrans2D1">
-    <dgm:fillClrLst meth="repeat">
-      <a:schemeClr val="accent2">
-        <a:tint val="60000"/>
-      </a:schemeClr>
-    </dgm:fillClrLst>
-    <dgm:linClrLst meth="repeat">
-      <a:schemeClr val="accent2">
-        <a:tint val="60000"/>
-      </a:schemeClr>
-    </dgm:linClrLst>
-    <dgm:effectClrLst/>
-    <dgm:txLinClrLst/>
-    <dgm:txFillClrLst/>
-    <dgm:txEffectClrLst/>
-  </dgm:styleLbl>
-  <dgm:styleLbl name="sibTrans1D1">
-    <dgm:fillClrLst meth="repeat">
-      <a:schemeClr val="accent2"/>
-    </dgm:fillClrLst>
-    <dgm:linClrLst meth="repeat">
-      <a:schemeClr val="accent2"/>
-    </dgm:linClrLst>
-    <dgm:effectClrLst/>
-    <dgm:txLinClrLst/>
-    <dgm:txFillClrLst meth="repeat">
-      <a:schemeClr val="tx1"/>
-    </dgm:txFillClrLst>
-    <dgm:txEffectClrLst/>
-  </dgm:styleLbl>
-  <dgm:styleLbl name="callout">
-    <dgm:fillClrLst meth="repeat">
-      <a:schemeClr val="accent2"/>
-    </dgm:fillClrLst>
-    <dgm:linClrLst meth="repeat">
-      <a:schemeClr val="accent2">
-        <a:tint val="50000"/>
-      </a:schemeClr>
-    </dgm:linClrLst>
-    <dgm:effectClrLst/>
-    <dgm:txLinClrLst/>
-    <dgm:txFillClrLst meth="repeat">
-      <a:schemeClr val="tx1"/>
-    </dgm:txFillClrLst>
-    <dgm:txEffectClrLst/>
-  </dgm:styleLbl>
-  <dgm:styleLbl name="asst0">
-    <dgm:fillClrLst meth="repeat">
-      <a:schemeClr val="accent2"/>
-    </dgm:fillClrLst>
-    <dgm:linClrLst meth="repeat">
-      <a:schemeClr val="lt1"/>
-    </dgm:linClrLst>
-    <dgm:effectClrLst/>
-    <dgm:txLinClrLst/>
-    <dgm:txFillClrLst/>
-    <dgm:txEffectClrLst/>
-  </dgm:styleLbl>
-  <dgm:styleLbl name="asst1">
-    <dgm:fillClrLst meth="repeat">
-      <a:schemeClr val="accent2"/>
-    </dgm:fillClrLst>
-    <dgm:linClrLst meth="repeat">
-      <a:schemeClr val="lt1"/>
-    </dgm:linClrLst>
-    <dgm:effectClrLst/>
-    <dgm:txLinClrLst/>
-    <dgm:txFillClrLst/>
-    <dgm:txEffectClrLst/>
-  </dgm:styleLbl>
-  <dgm:styleLbl name="asst2">
-    <dgm:fillClrLst meth="repeat">
-      <a:schemeClr val="accent2"/>
-    </dgm:fillClrLst>
-    <dgm:linClrLst meth="repeat">
-      <a:schemeClr val="lt1"/>
-    </dgm:linClrLst>
-    <dgm:effectClrLst/>
-    <dgm:txLinClrLst/>
-    <dgm:txFillClrLst/>
-    <dgm:txEffectClrLst/>
-  </dgm:styleLbl>
-  <dgm:styleLbl name="asst3">
-    <dgm:fillClrLst meth="repeat">
-      <a:schemeClr val="accent2"/>
-    </dgm:fillClrLst>
-    <dgm:linClrLst meth="repeat">
-      <a:schemeClr val="lt1"/>
-    </dgm:linClrLst>
-    <dgm:effectClrLst/>
-    <dgm:txLinClrLst/>
-    <dgm:txFillClrLst/>
-    <dgm:txEffectClrLst/>
-  </dgm:styleLbl>
-  <dgm:styleLbl name="asst4">
-    <dgm:fillClrLst meth="repeat">
-      <a:schemeClr val="accent2"/>
-    </dgm:fillClrLst>
-    <dgm:linClrLst meth="repeat">
-      <a:schemeClr val="lt1"/>
-    </dgm:linClrLst>
-    <dgm:effectClrLst/>
-    <dgm:txLinClrLst/>
-    <dgm:txFillClrLst/>
-    <dgm:txEffectClrLst/>
-  </dgm:styleLbl>
-  <dgm:styleLbl name="parChTrans2D1">
-    <dgm:fillClrLst meth="repeat">
-      <a:schemeClr val="accent2">
-        <a:tint val="60000"/>
-      </a:schemeClr>
-    </dgm:fillClrLst>
-    <dgm:linClrLst meth="repeat">
-      <a:schemeClr val="accent2">
-        <a:tint val="60000"/>
-      </a:schemeClr>
-    </dgm:linClrLst>
-    <dgm:effectClrLst/>
-    <dgm:txLinClrLst/>
-    <dgm:txFillClrLst meth="repeat">
-      <a:schemeClr val="lt1"/>
-    </dgm:txFillClrLst>
-    <dgm:txEffectClrLst/>
-  </dgm:styleLbl>
-  <dgm:styleLbl name="parChTrans2D2">
-    <dgm:fillClrLst meth="repeat">
-      <a:schemeClr val="accent2"/>
-    </dgm:fillClrLst>
-    <dgm:linClrLst meth="repeat">
-      <a:schemeClr val="accent2"/>
-    </dgm:linClrLst>
-    <dgm:effectClrLst/>
-    <dgm:txLinClrLst/>
-    <dgm:txFillClrLst meth="repeat">
-      <a:schemeClr val="lt1"/>
-    </dgm:txFillClrLst>
-    <dgm:txEffectClrLst/>
-  </dgm:styleLbl>
-  <dgm:styleLbl name="parChTrans2D3">
-    <dgm:fillClrLst meth="repeat">
-      <a:schemeClr val="accent2"/>
-    </dgm:fillClrLst>
-    <dgm:linClrLst meth="repeat">
-      <a:schemeClr val="accent2"/>
-    </dgm:linClrLst>
-    <dgm:effectClrLst/>
-    <dgm:txLinClrLst/>
-    <dgm:txFillClrLst meth="repeat">
-      <a:schemeClr val="lt1"/>
-    </dgm:txFillClrLst>
-    <dgm:txEffectClrLst/>
-  </dgm:styleLbl>
-  <dgm:styleLbl name="parChTrans2D4">
-    <dgm:fillClrLst meth="repeat">
-      <a:schemeClr val="accent2"/>
-    </dgm:fillClrLst>
-    <dgm:linClrLst meth="repeat">
-      <a:schemeClr val="accent2"/>
-    </dgm:linClrLst>
-    <dgm:effectClrLst/>
-    <dgm:txLinClrLst/>
-    <dgm:txFillClrLst meth="repeat">
-      <a:schemeClr val="lt1"/>
-    </dgm:txFillClrLst>
-    <dgm:txEffectClrLst/>
-  </dgm:styleLbl>
-  <dgm:styleLbl name="parChTrans1D1">
-    <dgm:fillClrLst meth="repeat">
-      <a:schemeClr val="accent2"/>
-    </dgm:fillClrLst>
-    <dgm:linClrLst meth="repeat">
-      <a:schemeClr val="accent2">
-        <a:shade val="60000"/>
-      </a:schemeClr>
-    </dgm:linClrLst>
-    <dgm:effectClrLst/>
-    <dgm:txLinClrLst/>
-    <dgm:txFillClrLst meth="repeat">
-      <a:schemeClr val="tx1"/>
-    </dgm:txFillClrLst>
-    <dgm:txEffectClrLst/>
-  </dgm:styleLbl>
-  <dgm:styleLbl name="parChTrans1D2">
-    <dgm:fillClrLst meth="repeat">
-      <a:schemeClr val="accent2"/>
-    </dgm:fillClrLst>
-    <dgm:linClrLst meth="repeat">
-      <a:schemeClr val="accent2">
-        <a:shade val="60000"/>
-      </a:schemeClr>
-    </dgm:linClrLst>
-    <dgm:effectClrLst/>
-    <dgm:txLinClrLst/>
-    <dgm:txFillClrLst meth="repeat">
-      <a:schemeClr val="tx1"/>
-    </dgm:txFillClrLst>
-    <dgm:txEffectClrLst/>
-  </dgm:styleLbl>
-  <dgm:styleLbl name="parChTrans1D3">
-    <dgm:fillClrLst meth="repeat">
-      <a:schemeClr val="accent2"/>
-    </dgm:fillClrLst>
-    <dgm:linClrLst meth="repeat">
-      <a:schemeClr val="accent2">
-        <a:shade val="80000"/>
-      </a:schemeClr>
-    </dgm:linClrLst>
-    <dgm:effectClrLst/>
-    <dgm:txLinClrLst/>
-    <dgm:txFillClrLst meth="repeat">
-      <a:schemeClr val="tx1"/>
-    </dgm:txFillClrLst>
-    <dgm:txEffectClrLst/>
-  </dgm:styleLbl>
-  <dgm:styleLbl name="parChTrans1D4">
-    <dgm:fillClrLst meth="repeat">
-      <a:schemeClr val="accent2"/>
-    </dgm:fillClrLst>
-    <dgm:linClrLst meth="repeat">
-      <a:schemeClr val="accent2">
-        <a:shade val="80000"/>
-      </a:schemeClr>
-    </dgm:linClrLst>
-    <dgm:effectClrLst/>
-    <dgm:txLinClrLst/>
-    <dgm:txFillClrLst meth="repeat">
-      <a:schemeClr val="tx1"/>
-    </dgm:txFillClrLst>
-    <dgm:txEffectClrLst/>
-  </dgm:styleLbl>
-  <dgm:styleLbl name="fgAcc1">
-    <dgm:fillClrLst meth="repeat">
-      <a:schemeClr val="lt1">
-        <a:alpha val="90000"/>
-      </a:schemeClr>
-    </dgm:fillClrLst>
-    <dgm:linClrLst meth="repeat">
-      <a:schemeClr val="accent2"/>
-    </dgm:linClrLst>
-    <dgm:effectClrLst/>
-    <dgm:txLinClrLst/>
-    <dgm:txFillClrLst meth="repeat">
-      <a:schemeClr val="dk1"/>
-    </dgm:txFillClrLst>
-    <dgm:txEffectClrLst/>
-  </dgm:styleLbl>
-  <dgm:styleLbl name="conFgAcc1">
-    <dgm:fillClrLst meth="repeat">
-      <a:schemeClr val="lt1">
-        <a:alpha val="90000"/>
-      </a:schemeClr>
-    </dgm:fillClrLst>
-    <dgm:linClrLst meth="repeat">
-      <a:schemeClr val="accent2"/>
-    </dgm:linClrLst>
-    <dgm:effectClrLst/>
-    <dgm:txLinClrLst/>
-    <dgm:txFillClrLst meth="repeat">
-      <a:schemeClr val="dk1"/>
-    </dgm:txFillClrLst>
-    <dgm:txEffectClrLst/>
-  </dgm:styleLbl>
-  <dgm:styleLbl name="alignAcc1">
-    <dgm:fillClrLst meth="repeat">
-      <a:schemeClr val="lt1">
-        <a:alpha val="90000"/>
-      </a:schemeClr>
-    </dgm:fillClrLst>
-    <dgm:linClrLst meth="repeat">
-      <a:schemeClr val="accent2"/>
-    </dgm:linClrLst>
-    <dgm:effectClrLst/>
-    <dgm:txLinClrLst/>
-    <dgm:txFillClrLst meth="repeat">
-      <a:schemeClr val="dk1"/>
-    </dgm:txFillClrLst>
-    <dgm:txEffectClrLst/>
-  </dgm:styleLbl>
-  <dgm:styleLbl name="trAlignAcc1">
-    <dgm:fillClrLst meth="repeat">
-      <a:schemeClr val="lt1">
-        <a:alpha val="40000"/>
-      </a:schemeClr>
-    </dgm:fillClrLst>
-    <dgm:linClrLst meth="repeat">
-      <a:schemeClr val="accent2"/>
-    </dgm:linClrLst>
-    <dgm:effectClrLst/>
-    <dgm:txLinClrLst/>
-    <dgm:txFillClrLst meth="repeat">
-      <a:schemeClr val="dk1"/>
-    </dgm:txFillClrLst>
-    <dgm:txEffectClrLst/>
-  </dgm:styleLbl>
-  <dgm:styleLbl name="bgAcc1">
-    <dgm:fillClrLst meth="repeat">
-      <a:schemeClr val="lt1">
-        <a:alpha val="90000"/>
-      </a:schemeClr>
-    </dgm:fillClrLst>
-    <dgm:linClrLst meth="repeat">
-      <a:schemeClr val="accent2"/>
-    </dgm:linClrLst>
-    <dgm:effectClrLst/>
-    <dgm:txLinClrLst/>
-    <dgm:txFillClrLst meth="repeat">
-      <a:schemeClr val="dk1"/>
-    </dgm:txFillClrLst>
-    <dgm:txEffectClrLst/>
-  </dgm:styleLbl>
-  <dgm:styleLbl name="solidFgAcc1">
-    <dgm:fillClrLst meth="repeat">
-      <a:schemeClr val="lt1"/>
-    </dgm:fillClrLst>
-    <dgm:linClrLst meth="repeat">
-      <a:schemeClr val="accent2"/>
-    </dgm:linClrLst>
-    <dgm:effectClrLst/>
-    <dgm:txLinClrLst/>
-    <dgm:txFillClrLst meth="repeat">
-      <a:schemeClr val="dk1"/>
-    </dgm:txFillClrLst>
-    <dgm:txEffectClrLst/>
-  </dgm:styleLbl>
-  <dgm:styleLbl name="solidAlignAcc1">
-    <dgm:fillClrLst meth="repeat">
-      <a:schemeClr val="lt1"/>
-    </dgm:fillClrLst>
-    <dgm:linClrLst meth="repeat">
-      <a:schemeClr val="accent2"/>
-    </dgm:linClrLst>
-    <dgm:effectClrLst/>
-    <dgm:txLinClrLst/>
-    <dgm:txFillClrLst meth="repeat">
-      <a:schemeClr val="dk1"/>
-    </dgm:txFillClrLst>
-    <dgm:txEffectClrLst/>
-  </dgm:styleLbl>
-  <dgm:styleLbl name="solidBgAcc1">
-    <dgm:fillClrLst meth="repeat">
-      <a:schemeClr val="lt1"/>
-    </dgm:fillClrLst>
-    <dgm:linClrLst meth="repeat">
-      <a:schemeClr val="accent2"/>
-    </dgm:linClrLst>
-    <dgm:effectClrLst/>
-    <dgm:txLinClrLst/>
-    <dgm:txFillClrLst meth="repeat">
-      <a:schemeClr val="dk1"/>
-    </dgm:txFillClrLst>
-    <dgm:txEffectClrLst/>
-  </dgm:styleLbl>
-  <dgm:styleLbl name="fgAccFollowNode1">
-    <dgm:fillClrLst meth="repeat">
-      <a:schemeClr val="accent2">
-        <a:alpha val="90000"/>
-        <a:tint val="40000"/>
-      </a:schemeClr>
-    </dgm:fillClrLst>
-    <dgm:linClrLst meth="repeat">
-      <a:schemeClr val="accent2">
-        <a:alpha val="90000"/>
-        <a:tint val="40000"/>
-      </a:schemeClr>
-    </dgm:linClrLst>
-    <dgm:effectClrLst/>
-    <dgm:txLinClrLst/>
-    <dgm:txFillClrLst meth="repeat">
-      <a:schemeClr val="dk1"/>
-    </dgm:txFillClrLst>
-    <dgm:txEffectClrLst/>
-  </dgm:styleLbl>
-  <dgm:styleLbl name="alignAccFollowNode1">
-    <dgm:fillClrLst meth="repeat">
-      <a:schemeClr val="accent2">
-        <a:alpha val="90000"/>
-        <a:tint val="40000"/>
-      </a:schemeClr>
-    </dgm:fillClrLst>
-    <dgm:linClrLst meth="repeat">
-      <a:schemeClr val="accent2">
-        <a:alpha val="90000"/>
-        <a:tint val="40000"/>
-      </a:schemeClr>
-    </dgm:linClrLst>
-    <dgm:effectClrLst/>
-    <dgm:txLinClrLst/>
-    <dgm:txFillClrLst meth="repeat">
-      <a:schemeClr val="dk1"/>
-    </dgm:txFillClrLst>
-    <dgm:txEffectClrLst/>
-  </dgm:styleLbl>
-  <dgm:styleLbl name="bgAccFollowNode1">
-    <dgm:fillClrLst meth="repeat">
-      <a:schemeClr val="accent2">
-        <a:alpha val="90000"/>
-        <a:tint val="40000"/>
-      </a:schemeClr>
-    </dgm:fillClrLst>
-    <dgm:linClrLst meth="repeat">
-      <a:schemeClr val="accent2">
-        <a:alpha val="90000"/>
-        <a:tint val="40000"/>
-      </a:schemeClr>
-    </dgm:linClrLst>
-    <dgm:effectClrLst/>
-    <dgm:txLinClrLst/>
-    <dgm:txFillClrLst meth="repeat">
-      <a:schemeClr val="dk1"/>
-    </dgm:txFillClrLst>
-    <dgm:txEffectClrLst/>
-  </dgm:styleLbl>
-  <dgm:styleLbl name="fgAcc0">
-    <dgm:fillClrLst meth="repeat">
-      <a:schemeClr val="lt1">
-        <a:alpha val="90000"/>
-      </a:schemeClr>
-    </dgm:fillClrLst>
-    <dgm:linClrLst meth="repeat">
-      <a:schemeClr val="accent2"/>
-    </dgm:linClrLst>
-    <dgm:effectClrLst/>
-    <dgm:txLinClrLst/>
-    <dgm:txFillClrLst meth="repeat">
-      <a:schemeClr val="dk1"/>
-    </dgm:txFillClrLst>
-    <dgm:txEffectClrLst/>
-  </dgm:styleLbl>
-  <dgm:styleLbl name="fgAcc2">
-    <dgm:fillClrLst meth="repeat">
-      <a:schemeClr val="lt1">
-        <a:alpha val="90000"/>
-      </a:schemeClr>
-    </dgm:fillClrLst>
-    <dgm:linClrLst meth="repeat">
-      <a:schemeClr val="accent2"/>
-    </dgm:linClrLst>
-    <dgm:effectClrLst/>
-    <dgm:txLinClrLst/>
-    <dgm:txFillClrLst meth="repeat">
-      <a:schemeClr val="dk1"/>
-    </dgm:txFillClrLst>
-    <dgm:txEffectClrLst/>
-  </dgm:styleLbl>
-  <dgm:styleLbl name="fgAcc3">
-    <dgm:fillClrLst meth="repeat">
-      <a:schemeClr val="lt1">
-        <a:alpha val="90000"/>
-      </a:schemeClr>
-    </dgm:fillClrLst>
-    <dgm:linClrLst meth="repeat">
-      <a:schemeClr val="accent2"/>
-    </dgm:linClrLst>
-    <dgm:effectClrLst/>
-    <dgm:txLinClrLst/>
-    <dgm:txFillClrLst meth="repeat">
-      <a:schemeClr val="dk1"/>
-    </dgm:txFillClrLst>
-    <dgm:txEffectClrLst/>
-  </dgm:styleLbl>
-  <dgm:styleLbl name="fgAcc4">
-    <dgm:fillClrLst meth="repeat">
-      <a:schemeClr val="lt1">
-        <a:alpha val="90000"/>
-      </a:schemeClr>
-    </dgm:fillClrLst>
-    <dgm:linClrLst meth="repeat">
-      <a:schemeClr val="accent2"/>
-    </dgm:linClrLst>
-    <dgm:effectClrLst/>
-    <dgm:txLinClrLst/>
-    <dgm:txFillClrLst meth="repeat">
-      <a:schemeClr val="dk1"/>
-    </dgm:txFillClrLst>
-    <dgm:txEffectClrLst/>
-  </dgm:styleLbl>
-  <dgm:styleLbl name="bgShp">
-    <dgm:fillClrLst meth="repeat">
-      <a:schemeClr val="bg1">
-        <a:lumMod val="95000"/>
-      </a:schemeClr>
-    </dgm:fillClrLst>
-    <dgm:linClrLst meth="repeat">
-      <a:schemeClr val="accent2"/>
-    </dgm:linClrLst>
-    <dgm:effectClrLst/>
-    <dgm:txLinClrLst/>
-    <dgm:txFillClrLst meth="repeat">
-      <a:schemeClr val="dk1"/>
-    </dgm:txFillClrLst>
-    <dgm:txEffectClrLst/>
-  </dgm:styleLbl>
-  <dgm:styleLbl name="dkBgShp">
-    <dgm:fillClrLst meth="repeat">
-      <a:schemeClr val="accent2">
-        <a:shade val="80000"/>
-      </a:schemeClr>
-    </dgm:fillClrLst>
-    <dgm:linClrLst meth="repeat">
-      <a:schemeClr val="accent2"/>
-    </dgm:linClrLst>
-    <dgm:effectClrLst/>
-    <dgm:txLinClrLst/>
-    <dgm:txFillClrLst meth="repeat">
-      <a:schemeClr val="lt1"/>
-    </dgm:txFillClrLst>
-    <dgm:txEffectClrLst/>
-  </dgm:styleLbl>
-  <dgm:styleLbl name="trBgShp">
-    <dgm:fillClrLst meth="repeat">
-      <a:schemeClr val="accent2">
-        <a:tint val="50000"/>
-        <a:alpha val="40000"/>
-      </a:schemeClr>
-    </dgm:fillClrLst>
-    <dgm:linClrLst meth="repeat">
-      <a:schemeClr val="accent2"/>
-    </dgm:linClrLst>
-    <dgm:effectClrLst/>
-    <dgm:txLinClrLst/>
-    <dgm:txFillClrLst meth="repeat">
-      <a:schemeClr val="lt1"/>
-    </dgm:txFillClrLst>
-    <dgm:txEffectClrLst/>
-  </dgm:styleLbl>
-  <dgm:styleLbl name="fgShp">
-    <dgm:fillClrLst meth="repeat">
-      <a:schemeClr val="accent2">
-        <a:tint val="60000"/>
-      </a:schemeClr>
-    </dgm:fillClrLst>
-    <dgm:linClrLst meth="repeat">
-      <a:schemeClr val="lt1"/>
-    </dgm:linClrLst>
-    <dgm:effectClrLst/>
-    <dgm:txLinClrLst/>
-    <dgm:txFillClrLst meth="repeat">
-      <a:schemeClr val="dk1"/>
-    </dgm:txFillClrLst>
-    <dgm:txEffectClrLst/>
-  </dgm:styleLbl>
-  <dgm:styleLbl name="revTx">
-    <dgm:fillClrLst meth="repeat">
-      <a:schemeClr val="lt1">
-        <a:alpha val="0"/>
-      </a:schemeClr>
-    </dgm:fillClrLst>
-    <dgm:linClrLst meth="repeat">
-      <a:schemeClr val="dk1">
-        <a:alpha val="0"/>
-      </a:schemeClr>
-    </dgm:linClrLst>
-    <dgm:effectClrLst/>
-    <dgm:txLinClrLst/>
-    <dgm:txFillClrLst meth="repeat">
-      <a:schemeClr val="tx1"/>
-    </dgm:txFillClrLst>
-    <dgm:txEffectClrLst/>
-  </dgm:styleLbl>
-</dgm:colorsDef>
-</file>
-
-<file path=ppt/diagrams/colors2.xml><?xml version="1.0" encoding="utf-8"?>
 <dgm:colorsDef xmlns:dgm="http://schemas.openxmlformats.org/drawingml/2006/diagram" xmlns:a="http://schemas.openxmlformats.org/drawingml/2006/main" uniqueId="urn:microsoft.com/office/officeart/2005/8/colors/accent2_2">
   <dgm:title val=""/>
   <dgm:desc val=""/>
@@ -1629,318 +879,6 @@
 <file path=ppt/diagrams/data1.xml><?xml version="1.0" encoding="utf-8"?>
 <dgm:dataModel xmlns:dgm="http://schemas.openxmlformats.org/drawingml/2006/diagram" xmlns:a="http://schemas.openxmlformats.org/drawingml/2006/main">
   <dgm:ptLst>
-    <dgm:pt modelId="{7D9C16A6-8C48-4165-8DAF-8C957C12A8FA}" type="doc">
-      <dgm:prSet loTypeId="urn:microsoft.com/office/officeart/2018/2/layout/IconLabelList" loCatId="icon" qsTypeId="urn:microsoft.com/office/officeart/2005/8/quickstyle/simple1" qsCatId="simple" csTypeId="urn:microsoft.com/office/officeart/2018/5/colors/Iconchunking_neutralbg_accent2_2" csCatId="accent2" phldr="1"/>
-      <dgm:spPr/>
-    </dgm:pt>
-    <dgm:pt modelId="{701D68F5-42F8-47BC-8FED-84C50F595DF0}">
-      <dgm:prSet phldrT="[Text]"/>
-      <dgm:spPr/>
-      <dgm:t>
-        <a:bodyPr rtlCol="0"/>
-        <a:lstStyle/>
-        <a:p>
-          <a:pPr rtl="0"/>
-          <a:r>
-            <a:rPr lang="fr-FR" noProof="0" dirty="0"/>
-            <a:t>Réseau</a:t>
-          </a:r>
-        </a:p>
-      </dgm:t>
-    </dgm:pt>
-    <dgm:pt modelId="{9617668C-C38C-4017-8DDF-37855B15D110}" type="parTrans" cxnId="{C4BA385D-31ED-40EF-A5D6-98DFBA64E71A}">
-      <dgm:prSet/>
-      <dgm:spPr/>
-      <dgm:t>
-        <a:bodyPr rtlCol="0"/>
-        <a:lstStyle/>
-        <a:p>
-          <a:pPr rtl="0"/>
-          <a:endParaRPr lang="fr-FR" noProof="0" dirty="0"/>
-        </a:p>
-      </dgm:t>
-    </dgm:pt>
-    <dgm:pt modelId="{0C95B389-AC0C-4055-9AA3-38815EFC8B0A}" type="sibTrans" cxnId="{C4BA385D-31ED-40EF-A5D6-98DFBA64E71A}">
-      <dgm:prSet/>
-      <dgm:spPr/>
-      <dgm:t>
-        <a:bodyPr rtlCol="0"/>
-        <a:lstStyle/>
-        <a:p>
-          <a:pPr rtl="0"/>
-          <a:endParaRPr lang="fr-FR" noProof="0" dirty="0"/>
-        </a:p>
-      </dgm:t>
-    </dgm:pt>
-    <dgm:pt modelId="{91A66877-AC1C-46D9-BF2C-6024B638DEA9}">
-      <dgm:prSet phldrT="[Text]"/>
-      <dgm:spPr/>
-      <dgm:t>
-        <a:bodyPr rtlCol="0"/>
-        <a:lstStyle/>
-        <a:p>
-          <a:pPr rtl="0"/>
-          <a:r>
-            <a:rPr lang="fr-FR" noProof="0" dirty="0"/>
-            <a:t>Satellite</a:t>
-          </a:r>
-        </a:p>
-      </dgm:t>
-    </dgm:pt>
-    <dgm:pt modelId="{913FED05-DF41-48A7-B1F8-81937A468EF9}" type="parTrans" cxnId="{7F0DAB6F-9257-4F2D-B31A-3418F73F6952}">
-      <dgm:prSet/>
-      <dgm:spPr/>
-      <dgm:t>
-        <a:bodyPr rtlCol="0"/>
-        <a:lstStyle/>
-        <a:p>
-          <a:pPr rtl="0"/>
-          <a:endParaRPr lang="fr-FR" noProof="0" dirty="0"/>
-        </a:p>
-      </dgm:t>
-    </dgm:pt>
-    <dgm:pt modelId="{BFCE4A28-C381-46FF-935A-B11534EF7D87}" type="sibTrans" cxnId="{7F0DAB6F-9257-4F2D-B31A-3418F73F6952}">
-      <dgm:prSet/>
-      <dgm:spPr/>
-      <dgm:t>
-        <a:bodyPr rtlCol="0"/>
-        <a:lstStyle/>
-        <a:p>
-          <a:pPr rtl="0"/>
-          <a:endParaRPr lang="fr-FR" noProof="0" dirty="0"/>
-        </a:p>
-      </dgm:t>
-    </dgm:pt>
-    <dgm:pt modelId="{76CC3289-2662-43F0-A3C6-BA04A135F08C}">
-      <dgm:prSet phldrT="[Text]"/>
-      <dgm:spPr/>
-      <dgm:t>
-        <a:bodyPr rtlCol="0"/>
-        <a:lstStyle/>
-        <a:p>
-          <a:pPr rtl="0"/>
-          <a:r>
-            <a:rPr lang="fr-FR" noProof="0" dirty="0"/>
-            <a:t>Lien</a:t>
-          </a:r>
-        </a:p>
-      </dgm:t>
-    </dgm:pt>
-    <dgm:pt modelId="{D46DB4DA-1442-4ECE-89FE-BBB1E3489E3D}" type="parTrans" cxnId="{0400886E-8A1A-44C2-95A7-DB0EF4911494}">
-      <dgm:prSet/>
-      <dgm:spPr/>
-      <dgm:t>
-        <a:bodyPr rtlCol="0"/>
-        <a:lstStyle/>
-        <a:p>
-          <a:pPr rtl="0"/>
-          <a:endParaRPr lang="fr-FR" noProof="0" dirty="0"/>
-        </a:p>
-      </dgm:t>
-    </dgm:pt>
-    <dgm:pt modelId="{FA28C9D6-476E-43CD-BA23-D6D990FD78D0}" type="sibTrans" cxnId="{0400886E-8A1A-44C2-95A7-DB0EF4911494}">
-      <dgm:prSet/>
-      <dgm:spPr/>
-      <dgm:t>
-        <a:bodyPr rtlCol="0"/>
-        <a:lstStyle/>
-        <a:p>
-          <a:pPr rtl="0"/>
-          <a:endParaRPr lang="fr-FR" noProof="0" dirty="0"/>
-        </a:p>
-      </dgm:t>
-    </dgm:pt>
-    <dgm:pt modelId="{8994D886-A75F-411A-A9D7-D31991FF12BD}" type="pres">
-      <dgm:prSet presAssocID="{7D9C16A6-8C48-4165-8DAF-8C957C12A8FA}" presName="root" presStyleCnt="0">
-        <dgm:presLayoutVars>
-          <dgm:dir/>
-          <dgm:resizeHandles val="exact"/>
-        </dgm:presLayoutVars>
-      </dgm:prSet>
-      <dgm:spPr/>
-    </dgm:pt>
-    <dgm:pt modelId="{E1DBA6D5-BD14-4CD2-A0CC-80F867FEFA81}" type="pres">
-      <dgm:prSet presAssocID="{701D68F5-42F8-47BC-8FED-84C50F595DF0}" presName="compNode" presStyleCnt="0"/>
-      <dgm:spPr/>
-    </dgm:pt>
-    <dgm:pt modelId="{19A8DC21-3E65-409D-AD53-DA51BB9198A0}" type="pres">
-      <dgm:prSet presAssocID="{701D68F5-42F8-47BC-8FED-84C50F595DF0}" presName="iconRect" presStyleLbl="node1" presStyleIdx="0" presStyleCnt="3" custScaleX="157625" custScaleY="157625"/>
-      <dgm:spPr>
-        <a:blipFill>
-          <a:blip xmlns:r="http://schemas.openxmlformats.org/officeDocument/2006/relationships" r:embed="rId1">
-            <a:extLst>
-              <a:ext uri="{96DAC541-7B7A-43D3-8B79-37D633B846F1}">
-                <asvg:svgBlip xmlns:asvg="http://schemas.microsoft.com/office/drawing/2016/SVG/main" r:embed="rId2"/>
-              </a:ext>
-            </a:extLst>
-          </a:blip>
-          <a:srcRect/>
-          <a:stretch>
-            <a:fillRect/>
-          </a:stretch>
-        </a:blipFill>
-        <a:ln>
-          <a:noFill/>
-        </a:ln>
-      </dgm:spPr>
-      <dgm:extLst>
-        <a:ext uri="{E40237B7-FDA0-4F09-8148-C483321AD2D9}">
-          <dgm14:cNvPr xmlns:dgm14="http://schemas.microsoft.com/office/drawing/2010/diagram" id="0" name="" descr="Network"/>
-        </a:ext>
-      </dgm:extLst>
-    </dgm:pt>
-    <dgm:pt modelId="{B9F90A48-FF94-4C94-A587-0190406F6FD3}" type="pres">
-      <dgm:prSet presAssocID="{701D68F5-42F8-47BC-8FED-84C50F595DF0}" presName="spaceRect" presStyleCnt="0"/>
-      <dgm:spPr/>
-    </dgm:pt>
-    <dgm:pt modelId="{A99B5DD6-89E9-4537-B415-4205CEB9323A}" type="pres">
-      <dgm:prSet presAssocID="{701D68F5-42F8-47BC-8FED-84C50F595DF0}" presName="textRect" presStyleLbl="revTx" presStyleIdx="0" presStyleCnt="3">
-        <dgm:presLayoutVars>
-          <dgm:chMax val="1"/>
-          <dgm:chPref val="1"/>
-        </dgm:presLayoutVars>
-      </dgm:prSet>
-      <dgm:spPr/>
-    </dgm:pt>
-    <dgm:pt modelId="{8B391436-B9B0-45BD-A57F-792D6376D868}" type="pres">
-      <dgm:prSet presAssocID="{0C95B389-AC0C-4055-9AA3-38815EFC8B0A}" presName="sibTrans" presStyleCnt="0"/>
-      <dgm:spPr/>
-    </dgm:pt>
-    <dgm:pt modelId="{95872155-C45D-46D3-874C-D838089A06F8}" type="pres">
-      <dgm:prSet presAssocID="{91A66877-AC1C-46D9-BF2C-6024B638DEA9}" presName="compNode" presStyleCnt="0"/>
-      <dgm:spPr/>
-    </dgm:pt>
-    <dgm:pt modelId="{CE9DF0E8-B0DE-4E1E-9FF4-6006AD8428DB}" type="pres">
-      <dgm:prSet presAssocID="{91A66877-AC1C-46D9-BF2C-6024B638DEA9}" presName="iconRect" presStyleLbl="node1" presStyleIdx="1" presStyleCnt="3" custScaleX="157625" custScaleY="157625"/>
-      <dgm:spPr>
-        <a:blipFill>
-          <a:blip xmlns:r="http://schemas.openxmlformats.org/officeDocument/2006/relationships" r:embed="rId3">
-            <a:extLst>
-              <a:ext uri="{28A0092B-C50C-407E-A947-70E740481C1C}">
-                <a14:useLocalDpi xmlns:a14="http://schemas.microsoft.com/office/drawing/2010/main" val="0"/>
-              </a:ext>
-              <a:ext uri="{96DAC541-7B7A-43D3-8B79-37D633B846F1}">
-                <asvg:svgBlip xmlns:asvg="http://schemas.microsoft.com/office/drawing/2016/SVG/main" r:embed="rId4"/>
-              </a:ext>
-            </a:extLst>
-          </a:blip>
-          <a:stretch>
-            <a:fillRect/>
-          </a:stretch>
-        </a:blipFill>
-        <a:ln>
-          <a:noFill/>
-        </a:ln>
-      </dgm:spPr>
-      <dgm:extLst>
-        <a:ext uri="{E40237B7-FDA0-4F09-8148-C483321AD2D9}">
-          <dgm14:cNvPr xmlns:dgm14="http://schemas.microsoft.com/office/drawing/2010/diagram" id="0" name="" descr="Satellite"/>
-        </a:ext>
-      </dgm:extLst>
-    </dgm:pt>
-    <dgm:pt modelId="{AA0423A1-55B2-45E9-BFE7-3FBE5BDA65ED}" type="pres">
-      <dgm:prSet presAssocID="{91A66877-AC1C-46D9-BF2C-6024B638DEA9}" presName="spaceRect" presStyleCnt="0"/>
-      <dgm:spPr/>
-    </dgm:pt>
-    <dgm:pt modelId="{55120873-6F5C-4053-8EAD-6287A7F1097E}" type="pres">
-      <dgm:prSet presAssocID="{91A66877-AC1C-46D9-BF2C-6024B638DEA9}" presName="textRect" presStyleLbl="revTx" presStyleIdx="1" presStyleCnt="3">
-        <dgm:presLayoutVars>
-          <dgm:chMax val="1"/>
-          <dgm:chPref val="1"/>
-        </dgm:presLayoutVars>
-      </dgm:prSet>
-      <dgm:spPr/>
-    </dgm:pt>
-    <dgm:pt modelId="{F679C986-30E4-4F0A-A3A6-CAE528BFED76}" type="pres">
-      <dgm:prSet presAssocID="{BFCE4A28-C381-46FF-935A-B11534EF7D87}" presName="sibTrans" presStyleCnt="0"/>
-      <dgm:spPr/>
-    </dgm:pt>
-    <dgm:pt modelId="{2EC2FDE3-8908-45C7-A3FD-EB370213FE69}" type="pres">
-      <dgm:prSet presAssocID="{76CC3289-2662-43F0-A3C6-BA04A135F08C}" presName="compNode" presStyleCnt="0"/>
-      <dgm:spPr/>
-    </dgm:pt>
-    <dgm:pt modelId="{6DB1FE51-13D0-4A38-AD6E-48D4371A1AF3}" type="pres">
-      <dgm:prSet presAssocID="{76CC3289-2662-43F0-A3C6-BA04A135F08C}" presName="iconRect" presStyleLbl="node1" presStyleIdx="2" presStyleCnt="3" custScaleX="157625" custScaleY="157625"/>
-      <dgm:spPr>
-        <a:blipFill>
-          <a:blip xmlns:r="http://schemas.openxmlformats.org/officeDocument/2006/relationships" r:embed="rId5">
-            <a:extLst>
-              <a:ext uri="{28A0092B-C50C-407E-A947-70E740481C1C}">
-                <a14:useLocalDpi xmlns:a14="http://schemas.microsoft.com/office/drawing/2010/main" val="0"/>
-              </a:ext>
-              <a:ext uri="{96DAC541-7B7A-43D3-8B79-37D633B846F1}">
-                <asvg:svgBlip xmlns:asvg="http://schemas.microsoft.com/office/drawing/2016/SVG/main" r:embed="rId6"/>
-              </a:ext>
-            </a:extLst>
-          </a:blip>
-          <a:srcRect/>
-          <a:stretch>
-            <a:fillRect/>
-          </a:stretch>
-        </a:blipFill>
-        <a:ln>
-          <a:noFill/>
-        </a:ln>
-      </dgm:spPr>
-      <dgm:extLst>
-        <a:ext uri="{E40237B7-FDA0-4F09-8148-C483321AD2D9}">
-          <dgm14:cNvPr xmlns:dgm14="http://schemas.microsoft.com/office/drawing/2010/diagram" id="0" name="" descr="Link"/>
-        </a:ext>
-      </dgm:extLst>
-    </dgm:pt>
-    <dgm:pt modelId="{0928538A-05CC-4A79-BD5D-92F985D1EEE5}" type="pres">
-      <dgm:prSet presAssocID="{76CC3289-2662-43F0-A3C6-BA04A135F08C}" presName="spaceRect" presStyleCnt="0"/>
-      <dgm:spPr/>
-    </dgm:pt>
-    <dgm:pt modelId="{133097FC-B1F8-4953-B0AB-E8E73D968D1C}" type="pres">
-      <dgm:prSet presAssocID="{76CC3289-2662-43F0-A3C6-BA04A135F08C}" presName="textRect" presStyleLbl="revTx" presStyleIdx="2" presStyleCnt="3">
-        <dgm:presLayoutVars>
-          <dgm:chMax val="1"/>
-          <dgm:chPref val="1"/>
-        </dgm:presLayoutVars>
-      </dgm:prSet>
-      <dgm:spPr/>
-    </dgm:pt>
-  </dgm:ptLst>
-  <dgm:cxnLst>
-    <dgm:cxn modelId="{1B8CB22C-9648-419B-97E9-4AA6C3555723}" type="presOf" srcId="{701D68F5-42F8-47BC-8FED-84C50F595DF0}" destId="{A99B5DD6-89E9-4537-B415-4205CEB9323A}" srcOrd="0" destOrd="0" presId="urn:microsoft.com/office/officeart/2018/2/layout/IconLabelList"/>
-    <dgm:cxn modelId="{C4BA385D-31ED-40EF-A5D6-98DFBA64E71A}" srcId="{7D9C16A6-8C48-4165-8DAF-8C957C12A8FA}" destId="{701D68F5-42F8-47BC-8FED-84C50F595DF0}" srcOrd="0" destOrd="0" parTransId="{9617668C-C38C-4017-8DDF-37855B15D110}" sibTransId="{0C95B389-AC0C-4055-9AA3-38815EFC8B0A}"/>
-    <dgm:cxn modelId="{5574CC64-4BF2-43BE-BABC-6DF1E58A4C74}" type="presOf" srcId="{7D9C16A6-8C48-4165-8DAF-8C957C12A8FA}" destId="{8994D886-A75F-411A-A9D7-D31991FF12BD}" srcOrd="0" destOrd="0" presId="urn:microsoft.com/office/officeart/2018/2/layout/IconLabelList"/>
-    <dgm:cxn modelId="{0400886E-8A1A-44C2-95A7-DB0EF4911494}" srcId="{7D9C16A6-8C48-4165-8DAF-8C957C12A8FA}" destId="{76CC3289-2662-43F0-A3C6-BA04A135F08C}" srcOrd="2" destOrd="0" parTransId="{D46DB4DA-1442-4ECE-89FE-BBB1E3489E3D}" sibTransId="{FA28C9D6-476E-43CD-BA23-D6D990FD78D0}"/>
-    <dgm:cxn modelId="{7F0DAB6F-9257-4F2D-B31A-3418F73F6952}" srcId="{7D9C16A6-8C48-4165-8DAF-8C957C12A8FA}" destId="{91A66877-AC1C-46D9-BF2C-6024B638DEA9}" srcOrd="1" destOrd="0" parTransId="{913FED05-DF41-48A7-B1F8-81937A468EF9}" sibTransId="{BFCE4A28-C381-46FF-935A-B11534EF7D87}"/>
-    <dgm:cxn modelId="{EC5C6E85-C523-4B60-976B-342F12E3A6CB}" type="presOf" srcId="{91A66877-AC1C-46D9-BF2C-6024B638DEA9}" destId="{55120873-6F5C-4053-8EAD-6287A7F1097E}" srcOrd="0" destOrd="0" presId="urn:microsoft.com/office/officeart/2018/2/layout/IconLabelList"/>
-    <dgm:cxn modelId="{6E31C6AB-C9E6-448F-A8CC-566A63619D4D}" type="presOf" srcId="{76CC3289-2662-43F0-A3C6-BA04A135F08C}" destId="{133097FC-B1F8-4953-B0AB-E8E73D968D1C}" srcOrd="0" destOrd="0" presId="urn:microsoft.com/office/officeart/2018/2/layout/IconLabelList"/>
-    <dgm:cxn modelId="{2AD6E781-3ED2-484E-B438-73386D2C583D}" type="presParOf" srcId="{8994D886-A75F-411A-A9D7-D31991FF12BD}" destId="{E1DBA6D5-BD14-4CD2-A0CC-80F867FEFA81}" srcOrd="0" destOrd="0" presId="urn:microsoft.com/office/officeart/2018/2/layout/IconLabelList"/>
-    <dgm:cxn modelId="{10B2B212-528C-471D-ABD0-D66ED992B833}" type="presParOf" srcId="{E1DBA6D5-BD14-4CD2-A0CC-80F867FEFA81}" destId="{19A8DC21-3E65-409D-AD53-DA51BB9198A0}" srcOrd="0" destOrd="0" presId="urn:microsoft.com/office/officeart/2018/2/layout/IconLabelList"/>
-    <dgm:cxn modelId="{2A8FB3D0-F98B-4F5A-BACA-4315E38776FB}" type="presParOf" srcId="{E1DBA6D5-BD14-4CD2-A0CC-80F867FEFA81}" destId="{B9F90A48-FF94-4C94-A587-0190406F6FD3}" srcOrd="1" destOrd="0" presId="urn:microsoft.com/office/officeart/2018/2/layout/IconLabelList"/>
-    <dgm:cxn modelId="{95FEF629-9884-451C-89B4-41B897ABE3D6}" type="presParOf" srcId="{E1DBA6D5-BD14-4CD2-A0CC-80F867FEFA81}" destId="{A99B5DD6-89E9-4537-B415-4205CEB9323A}" srcOrd="2" destOrd="0" presId="urn:microsoft.com/office/officeart/2018/2/layout/IconLabelList"/>
-    <dgm:cxn modelId="{0FE6827F-DE80-4F8A-8E9D-7F88C0F7EF29}" type="presParOf" srcId="{8994D886-A75F-411A-A9D7-D31991FF12BD}" destId="{8B391436-B9B0-45BD-A57F-792D6376D868}" srcOrd="1" destOrd="0" presId="urn:microsoft.com/office/officeart/2018/2/layout/IconLabelList"/>
-    <dgm:cxn modelId="{4857BE3A-D518-473D-AC79-7B9BF18B9824}" type="presParOf" srcId="{8994D886-A75F-411A-A9D7-D31991FF12BD}" destId="{95872155-C45D-46D3-874C-D838089A06F8}" srcOrd="2" destOrd="0" presId="urn:microsoft.com/office/officeart/2018/2/layout/IconLabelList"/>
-    <dgm:cxn modelId="{B4B325C4-81F2-4B3E-8CBF-4532B0BFA343}" type="presParOf" srcId="{95872155-C45D-46D3-874C-D838089A06F8}" destId="{CE9DF0E8-B0DE-4E1E-9FF4-6006AD8428DB}" srcOrd="0" destOrd="0" presId="urn:microsoft.com/office/officeart/2018/2/layout/IconLabelList"/>
-    <dgm:cxn modelId="{0AE6D335-6E55-47E1-BAD8-0368620AB8F6}" type="presParOf" srcId="{95872155-C45D-46D3-874C-D838089A06F8}" destId="{AA0423A1-55B2-45E9-BFE7-3FBE5BDA65ED}" srcOrd="1" destOrd="0" presId="urn:microsoft.com/office/officeart/2018/2/layout/IconLabelList"/>
-    <dgm:cxn modelId="{AFEE8CCD-97FE-4EFA-A584-DF6AFDAD2B20}" type="presParOf" srcId="{95872155-C45D-46D3-874C-D838089A06F8}" destId="{55120873-6F5C-4053-8EAD-6287A7F1097E}" srcOrd="2" destOrd="0" presId="urn:microsoft.com/office/officeart/2018/2/layout/IconLabelList"/>
-    <dgm:cxn modelId="{26649F18-C204-4047-8300-905486AB3755}" type="presParOf" srcId="{8994D886-A75F-411A-A9D7-D31991FF12BD}" destId="{F679C986-30E4-4F0A-A3A6-CAE528BFED76}" srcOrd="3" destOrd="0" presId="urn:microsoft.com/office/officeart/2018/2/layout/IconLabelList"/>
-    <dgm:cxn modelId="{898D629F-DA37-435F-A0B2-0617605D711A}" type="presParOf" srcId="{8994D886-A75F-411A-A9D7-D31991FF12BD}" destId="{2EC2FDE3-8908-45C7-A3FD-EB370213FE69}" srcOrd="4" destOrd="0" presId="urn:microsoft.com/office/officeart/2018/2/layout/IconLabelList"/>
-    <dgm:cxn modelId="{2BDADB1C-15B1-4763-9B35-3792147F8F87}" type="presParOf" srcId="{2EC2FDE3-8908-45C7-A3FD-EB370213FE69}" destId="{6DB1FE51-13D0-4A38-AD6E-48D4371A1AF3}" srcOrd="0" destOrd="0" presId="urn:microsoft.com/office/officeart/2018/2/layout/IconLabelList"/>
-    <dgm:cxn modelId="{F692F1E6-C6EC-4391-8432-EB6C34194240}" type="presParOf" srcId="{2EC2FDE3-8908-45C7-A3FD-EB370213FE69}" destId="{0928538A-05CC-4A79-BD5D-92F985D1EEE5}" srcOrd="1" destOrd="0" presId="urn:microsoft.com/office/officeart/2018/2/layout/IconLabelList"/>
-    <dgm:cxn modelId="{0E6AF6C4-A4E5-4234-9E16-F9F2334264CD}" type="presParOf" srcId="{2EC2FDE3-8908-45C7-A3FD-EB370213FE69}" destId="{133097FC-B1F8-4953-B0AB-E8E73D968D1C}" srcOrd="2" destOrd="0" presId="urn:microsoft.com/office/officeart/2018/2/layout/IconLabelList"/>
-  </dgm:cxnLst>
-  <dgm:bg/>
-  <dgm:whole/>
-  <dgm:extLst>
-    <a:ext uri="http://schemas.microsoft.com/office/drawing/2008/diagram">
-      <dsp:dataModelExt xmlns:dsp="http://schemas.microsoft.com/office/drawing/2008/diagram" relId="rId7" minVer="http://schemas.openxmlformats.org/drawingml/2006/diagram"/>
-    </a:ext>
-    <a:ext uri="{C62137D5-CB1D-491B-B009-E17868A290BF}">
-      <dgm14:recolorImg xmlns:dgm14="http://schemas.microsoft.com/office/drawing/2010/diagram" val="1"/>
-    </a:ext>
-  </dgm:extLst>
-</dgm:dataModel>
-</file>
-
-<file path=ppt/diagrams/data2.xml><?xml version="1.0" encoding="utf-8"?>
-<dgm:dataModel xmlns:dgm="http://schemas.openxmlformats.org/drawingml/2006/diagram" xmlns:a="http://schemas.openxmlformats.org/drawingml/2006/main">
-  <dgm:ptLst>
     <dgm:pt modelId="{7E5AA53B-3EEE-4DE4-BB81-9044890C2946}" type="doc">
       <dgm:prSet loTypeId="urn:microsoft.com/office/officeart/2008/layout/VerticalCurvedList" loCatId="list" qsTypeId="urn:microsoft.com/office/officeart/2005/8/quickstyle/simple4" qsCatId="simple" csTypeId="urn:microsoft.com/office/officeart/2005/8/colors/accent2_2" csCatId="accent2" phldr="1"/>
       <dgm:spPr/>
@@ -2204,344 +1142,6 @@
 </file>
 
 <file path=ppt/diagrams/drawing1.xml><?xml version="1.0" encoding="utf-8"?>
-<dsp:drawing xmlns:dgm="http://schemas.openxmlformats.org/drawingml/2006/diagram" xmlns:dsp="http://schemas.microsoft.com/office/drawing/2008/diagram" xmlns:a="http://schemas.openxmlformats.org/drawingml/2006/main">
-  <dsp:spTree>
-    <dsp:nvGrpSpPr>
-      <dsp:cNvPr id="0" name=""/>
-      <dsp:cNvGrpSpPr/>
-    </dsp:nvGrpSpPr>
-    <dsp:grpSpPr/>
-    <dsp:sp modelId="{19A8DC21-3E65-409D-AD53-DA51BB9198A0}">
-      <dsp:nvSpPr>
-        <dsp:cNvPr id="0" name=""/>
-        <dsp:cNvSpPr/>
-      </dsp:nvSpPr>
-      <dsp:spPr>
-        <a:xfrm>
-          <a:off x="523237" y="494935"/>
-          <a:ext cx="2285995" cy="2285995"/>
-        </a:xfrm>
-        <a:prstGeom prst="rect">
-          <a:avLst/>
-        </a:prstGeom>
-        <a:blipFill>
-          <a:blip xmlns:r="http://schemas.openxmlformats.org/officeDocument/2006/relationships" r:embed="rId1">
-            <a:extLst>
-              <a:ext uri="{96DAC541-7B7A-43D3-8B79-37D633B846F1}">
-                <asvg:svgBlip xmlns:asvg="http://schemas.microsoft.com/office/drawing/2016/SVG/main" r:embed="rId2"/>
-              </a:ext>
-            </a:extLst>
-          </a:blip>
-          <a:srcRect/>
-          <a:stretch>
-            <a:fillRect/>
-          </a:stretch>
-        </a:blipFill>
-        <a:ln w="22225" cap="rnd" cmpd="sng" algn="ctr">
-          <a:noFill/>
-          <a:prstDash val="solid"/>
-        </a:ln>
-        <a:effectLst/>
-      </dsp:spPr>
-      <dsp:style>
-        <a:lnRef idx="2">
-          <a:scrgbClr r="0" g="0" b="0"/>
-        </a:lnRef>
-        <a:fillRef idx="1">
-          <a:scrgbClr r="0" g="0" b="0"/>
-        </a:fillRef>
-        <a:effectRef idx="0">
-          <a:scrgbClr r="0" g="0" b="0"/>
-        </a:effectRef>
-        <a:fontRef idx="minor">
-          <a:schemeClr val="lt1"/>
-        </a:fontRef>
-      </dsp:style>
-    </dsp:sp>
-    <dsp:sp modelId="{A99B5DD6-89E9-4537-B415-4205CEB9323A}">
-      <dsp:nvSpPr>
-        <dsp:cNvPr id="0" name=""/>
-        <dsp:cNvSpPr/>
-      </dsp:nvSpPr>
-      <dsp:spPr>
-        <a:xfrm>
-          <a:off x="54818" y="2746269"/>
-          <a:ext cx="3222832" cy="720000"/>
-        </a:xfrm>
-        <a:prstGeom prst="rect">
-          <a:avLst/>
-        </a:prstGeom>
-        <a:noFill/>
-        <a:ln>
-          <a:noFill/>
-        </a:ln>
-        <a:effectLst/>
-      </dsp:spPr>
-      <dsp:style>
-        <a:lnRef idx="0">
-          <a:scrgbClr r="0" g="0" b="0"/>
-        </a:lnRef>
-        <a:fillRef idx="0">
-          <a:scrgbClr r="0" g="0" b="0"/>
-        </a:fillRef>
-        <a:effectRef idx="0">
-          <a:scrgbClr r="0" g="0" b="0"/>
-        </a:effectRef>
-        <a:fontRef idx="minor"/>
-      </dsp:style>
-      <dsp:txBody>
-        <a:bodyPr spcFirstLastPara="0" vert="horz" wrap="square" lIns="0" tIns="0" rIns="0" bIns="0" numCol="1" spcCol="1270" rtlCol="0" anchor="t" anchorCtr="0">
-          <a:noAutofit/>
-        </a:bodyPr>
-        <a:lstStyle/>
-        <a:p>
-          <a:pPr marL="0" lvl="0" indent="0" algn="ctr" defTabSz="1600200" rtl="0">
-            <a:lnSpc>
-              <a:spcPct val="90000"/>
-            </a:lnSpc>
-            <a:spcBef>
-              <a:spcPct val="0"/>
-            </a:spcBef>
-            <a:spcAft>
-              <a:spcPct val="35000"/>
-            </a:spcAft>
-            <a:buNone/>
-          </a:pPr>
-          <a:r>
-            <a:rPr lang="fr-FR" sz="3600" kern="1200" noProof="0" dirty="0"/>
-            <a:t>Réseau</a:t>
-          </a:r>
-        </a:p>
-      </dsp:txBody>
-      <dsp:txXfrm>
-        <a:off x="54818" y="2746269"/>
-        <a:ext cx="3222832" cy="720000"/>
-      </dsp:txXfrm>
-    </dsp:sp>
-    <dsp:sp modelId="{CE9DF0E8-B0DE-4E1E-9FF4-6006AD8428DB}">
-      <dsp:nvSpPr>
-        <dsp:cNvPr id="0" name=""/>
-        <dsp:cNvSpPr/>
-      </dsp:nvSpPr>
-      <dsp:spPr>
-        <a:xfrm>
-          <a:off x="4310064" y="494935"/>
-          <a:ext cx="2285995" cy="2285995"/>
-        </a:xfrm>
-        <a:prstGeom prst="rect">
-          <a:avLst/>
-        </a:prstGeom>
-        <a:blipFill>
-          <a:blip xmlns:r="http://schemas.openxmlformats.org/officeDocument/2006/relationships" r:embed="rId3">
-            <a:extLst>
-              <a:ext uri="{28A0092B-C50C-407E-A947-70E740481C1C}">
-                <a14:useLocalDpi xmlns:a14="http://schemas.microsoft.com/office/drawing/2010/main" val="0"/>
-              </a:ext>
-              <a:ext uri="{96DAC541-7B7A-43D3-8B79-37D633B846F1}">
-                <asvg:svgBlip xmlns:asvg="http://schemas.microsoft.com/office/drawing/2016/SVG/main" r:embed="rId4"/>
-              </a:ext>
-            </a:extLst>
-          </a:blip>
-          <a:stretch>
-            <a:fillRect/>
-          </a:stretch>
-        </a:blipFill>
-        <a:ln w="22225" cap="rnd" cmpd="sng" algn="ctr">
-          <a:noFill/>
-          <a:prstDash val="solid"/>
-        </a:ln>
-        <a:effectLst/>
-      </dsp:spPr>
-      <dsp:style>
-        <a:lnRef idx="2">
-          <a:scrgbClr r="0" g="0" b="0"/>
-        </a:lnRef>
-        <a:fillRef idx="1">
-          <a:scrgbClr r="0" g="0" b="0"/>
-        </a:fillRef>
-        <a:effectRef idx="0">
-          <a:scrgbClr r="0" g="0" b="0"/>
-        </a:effectRef>
-        <a:fontRef idx="minor">
-          <a:schemeClr val="lt1"/>
-        </a:fontRef>
-      </dsp:style>
-    </dsp:sp>
-    <dsp:sp modelId="{55120873-6F5C-4053-8EAD-6287A7F1097E}">
-      <dsp:nvSpPr>
-        <dsp:cNvPr id="0" name=""/>
-        <dsp:cNvSpPr/>
-      </dsp:nvSpPr>
-      <dsp:spPr>
-        <a:xfrm>
-          <a:off x="3841646" y="2746269"/>
-          <a:ext cx="3222832" cy="720000"/>
-        </a:xfrm>
-        <a:prstGeom prst="rect">
-          <a:avLst/>
-        </a:prstGeom>
-        <a:noFill/>
-        <a:ln>
-          <a:noFill/>
-        </a:ln>
-        <a:effectLst/>
-      </dsp:spPr>
-      <dsp:style>
-        <a:lnRef idx="0">
-          <a:scrgbClr r="0" g="0" b="0"/>
-        </a:lnRef>
-        <a:fillRef idx="0">
-          <a:scrgbClr r="0" g="0" b="0"/>
-        </a:fillRef>
-        <a:effectRef idx="0">
-          <a:scrgbClr r="0" g="0" b="0"/>
-        </a:effectRef>
-        <a:fontRef idx="minor"/>
-      </dsp:style>
-      <dsp:txBody>
-        <a:bodyPr spcFirstLastPara="0" vert="horz" wrap="square" lIns="0" tIns="0" rIns="0" bIns="0" numCol="1" spcCol="1270" rtlCol="0" anchor="t" anchorCtr="0">
-          <a:noAutofit/>
-        </a:bodyPr>
-        <a:lstStyle/>
-        <a:p>
-          <a:pPr marL="0" lvl="0" indent="0" algn="ctr" defTabSz="1600200" rtl="0">
-            <a:lnSpc>
-              <a:spcPct val="90000"/>
-            </a:lnSpc>
-            <a:spcBef>
-              <a:spcPct val="0"/>
-            </a:spcBef>
-            <a:spcAft>
-              <a:spcPct val="35000"/>
-            </a:spcAft>
-            <a:buNone/>
-          </a:pPr>
-          <a:r>
-            <a:rPr lang="fr-FR" sz="3600" kern="1200" noProof="0" dirty="0"/>
-            <a:t>Satellite</a:t>
-          </a:r>
-        </a:p>
-      </dsp:txBody>
-      <dsp:txXfrm>
-        <a:off x="3841646" y="2746269"/>
-        <a:ext cx="3222832" cy="720000"/>
-      </dsp:txXfrm>
-    </dsp:sp>
-    <dsp:sp modelId="{6DB1FE51-13D0-4A38-AD6E-48D4371A1AF3}">
-      <dsp:nvSpPr>
-        <dsp:cNvPr id="0" name=""/>
-        <dsp:cNvSpPr/>
-      </dsp:nvSpPr>
-      <dsp:spPr>
-        <a:xfrm>
-          <a:off x="8096892" y="494935"/>
-          <a:ext cx="2285995" cy="2285995"/>
-        </a:xfrm>
-        <a:prstGeom prst="rect">
-          <a:avLst/>
-        </a:prstGeom>
-        <a:blipFill>
-          <a:blip xmlns:r="http://schemas.openxmlformats.org/officeDocument/2006/relationships" r:embed="rId5">
-            <a:extLst>
-              <a:ext uri="{28A0092B-C50C-407E-A947-70E740481C1C}">
-                <a14:useLocalDpi xmlns:a14="http://schemas.microsoft.com/office/drawing/2010/main" val="0"/>
-              </a:ext>
-              <a:ext uri="{96DAC541-7B7A-43D3-8B79-37D633B846F1}">
-                <asvg:svgBlip xmlns:asvg="http://schemas.microsoft.com/office/drawing/2016/SVG/main" r:embed="rId6"/>
-              </a:ext>
-            </a:extLst>
-          </a:blip>
-          <a:srcRect/>
-          <a:stretch>
-            <a:fillRect/>
-          </a:stretch>
-        </a:blipFill>
-        <a:ln w="22225" cap="rnd" cmpd="sng" algn="ctr">
-          <a:noFill/>
-          <a:prstDash val="solid"/>
-        </a:ln>
-        <a:effectLst/>
-      </dsp:spPr>
-      <dsp:style>
-        <a:lnRef idx="2">
-          <a:scrgbClr r="0" g="0" b="0"/>
-        </a:lnRef>
-        <a:fillRef idx="1">
-          <a:scrgbClr r="0" g="0" b="0"/>
-        </a:fillRef>
-        <a:effectRef idx="0">
-          <a:scrgbClr r="0" g="0" b="0"/>
-        </a:effectRef>
-        <a:fontRef idx="minor">
-          <a:schemeClr val="lt1"/>
-        </a:fontRef>
-      </dsp:style>
-    </dsp:sp>
-    <dsp:sp modelId="{133097FC-B1F8-4953-B0AB-E8E73D968D1C}">
-      <dsp:nvSpPr>
-        <dsp:cNvPr id="0" name=""/>
-        <dsp:cNvSpPr/>
-      </dsp:nvSpPr>
-      <dsp:spPr>
-        <a:xfrm>
-          <a:off x="7628474" y="2746269"/>
-          <a:ext cx="3222832" cy="720000"/>
-        </a:xfrm>
-        <a:prstGeom prst="rect">
-          <a:avLst/>
-        </a:prstGeom>
-        <a:noFill/>
-        <a:ln>
-          <a:noFill/>
-        </a:ln>
-        <a:effectLst/>
-      </dsp:spPr>
-      <dsp:style>
-        <a:lnRef idx="0">
-          <a:scrgbClr r="0" g="0" b="0"/>
-        </a:lnRef>
-        <a:fillRef idx="0">
-          <a:scrgbClr r="0" g="0" b="0"/>
-        </a:fillRef>
-        <a:effectRef idx="0">
-          <a:scrgbClr r="0" g="0" b="0"/>
-        </a:effectRef>
-        <a:fontRef idx="minor"/>
-      </dsp:style>
-      <dsp:txBody>
-        <a:bodyPr spcFirstLastPara="0" vert="horz" wrap="square" lIns="0" tIns="0" rIns="0" bIns="0" numCol="1" spcCol="1270" rtlCol="0" anchor="t" anchorCtr="0">
-          <a:noAutofit/>
-        </a:bodyPr>
-        <a:lstStyle/>
-        <a:p>
-          <a:pPr marL="0" lvl="0" indent="0" algn="ctr" defTabSz="1600200" rtl="0">
-            <a:lnSpc>
-              <a:spcPct val="90000"/>
-            </a:lnSpc>
-            <a:spcBef>
-              <a:spcPct val="0"/>
-            </a:spcBef>
-            <a:spcAft>
-              <a:spcPct val="35000"/>
-            </a:spcAft>
-            <a:buNone/>
-          </a:pPr>
-          <a:r>
-            <a:rPr lang="fr-FR" sz="3600" kern="1200" noProof="0" dirty="0"/>
-            <a:t>Lien</a:t>
-          </a:r>
-        </a:p>
-      </dsp:txBody>
-      <dsp:txXfrm>
-        <a:off x="7628474" y="2746269"/>
-        <a:ext cx="3222832" cy="720000"/>
-      </dsp:txXfrm>
-    </dsp:sp>
-  </dsp:spTree>
-</dsp:drawing>
-</file>
-
-<file path=ppt/diagrams/drawing2.xml><?xml version="1.0" encoding="utf-8"?>
 <dsp:drawing xmlns:dgm="http://schemas.openxmlformats.org/drawingml/2006/diagram" xmlns:dsp="http://schemas.microsoft.com/office/drawing/2008/diagram" xmlns:a="http://schemas.openxmlformats.org/drawingml/2006/main">
   <dsp:spTree>
     <dsp:nvGrpSpPr>
@@ -3019,196 +1619,6 @@
 </file>
 
 <file path=ppt/diagrams/layout1.xml><?xml version="1.0" encoding="utf-8"?>
-<dgm:layoutDef xmlns:dgm="http://schemas.openxmlformats.org/drawingml/2006/diagram" xmlns:a="http://schemas.openxmlformats.org/drawingml/2006/main" uniqueId="urn:microsoft.com/office/officeart/2018/2/layout/IconLabelList">
-  <dgm:title val="Icon Label List"/>
-  <dgm:desc val="Use to show non-sequential or grouped chunks of information accompanied by a related visuals. Works best with icons or small pictures with short text captions."/>
-  <dgm:catLst>
-    <dgm:cat type="icon" pri="500"/>
-  </dgm:catLst>
-  <dgm:sampData useDef="1">
-    <dgm:dataModel>
-      <dgm:ptLst/>
-      <dgm:bg/>
-      <dgm:whole/>
-    </dgm:dataModel>
-  </dgm:sampData>
-  <dgm:styleData useDef="1">
-    <dgm:dataModel>
-      <dgm:ptLst/>
-      <dgm:bg/>
-      <dgm:whole/>
-    </dgm:dataModel>
-  </dgm:styleData>
-  <dgm:clrData useDef="1">
-    <dgm:dataModel>
-      <dgm:ptLst/>
-      <dgm:bg/>
-      <dgm:whole/>
-    </dgm:dataModel>
-  </dgm:clrData>
-  <dgm:layoutNode name="root">
-    <dgm:varLst>
-      <dgm:dir/>
-      <dgm:resizeHandles val="exact"/>
-    </dgm:varLst>
-    <dgm:choose name="Name0">
-      <dgm:if name="Name1" axis="self" func="var" arg="dir" op="equ" val="norm">
-        <dgm:alg type="snake">
-          <dgm:param type="grDir" val="tL"/>
-          <dgm:param type="flowDir" val="row"/>
-          <dgm:param type="contDir" val="sameDir"/>
-          <dgm:param type="off" val="ctr"/>
-          <dgm:param type="vertAlign" val="mid"/>
-          <dgm:param type="horzAlign" val="ctr"/>
-        </dgm:alg>
-      </dgm:if>
-      <dgm:else name="Name2">
-        <dgm:alg type="snake">
-          <dgm:param type="grDir" val="tR"/>
-          <dgm:param type="flowDir" val="row"/>
-          <dgm:param type="contDir" val="sameDir"/>
-          <dgm:param type="off" val="ctr"/>
-          <dgm:param type="vertAlign" val="mid"/>
-          <dgm:param type="horzAlign" val="ctr"/>
-        </dgm:alg>
-      </dgm:else>
-    </dgm:choose>
-    <dgm:shape xmlns:r="http://schemas.openxmlformats.org/officeDocument/2006/relationships" r:blip="">
-      <dgm:adjLst/>
-    </dgm:shape>
-    <dgm:presOf/>
-    <dgm:choose name="Name3">
-      <dgm:if name="Name4" axis="ch" ptType="node" func="cnt" op="lte" val="2">
-        <dgm:constrLst>
-          <dgm:constr type="h" for="ch" forName="compNode" refType="h" fact="0.4"/>
-          <dgm:constr type="w" for="ch" forName="compNode" val="120"/>
-          <dgm:constr type="w" for="ch" forName="sibTrans" refType="w" refFor="ch" refForName="compNode" fact="0.175"/>
-          <dgm:constr type="sp" refType="w" refFor="ch" refForName="compNode" op="equ" fact="0.25"/>
-          <dgm:constr type="primFontSz" for="des" ptType="node" op="equ" val="50"/>
-          <dgm:constr type="h" for="des" forName="compNode" op="equ"/>
-          <dgm:constr type="h" for="des" forName="textRect" op="equ"/>
-        </dgm:constrLst>
-      </dgm:if>
-      <dgm:if name="Name5" axis="ch" ptType="node" func="cnt" op="lte" val="4">
-        <dgm:constrLst>
-          <dgm:constr type="h" for="ch" forName="compNode" refType="h" fact="0.4"/>
-          <dgm:constr type="w" for="ch" forName="compNode" refType="w"/>
-          <dgm:constr type="w" for="ch" forName="sibTrans" refType="w" refFor="ch" refForName="compNode" fact="0.175"/>
-          <dgm:constr type="sp" refType="w" refFor="ch" refForName="compNode" op="equ" fact="0.25"/>
-          <dgm:constr type="primFontSz" for="des" ptType="node" op="equ" val="36"/>
-          <dgm:constr type="h" for="des" forName="compNode" op="equ"/>
-          <dgm:constr type="h" for="des" forName="textRect" op="equ"/>
-        </dgm:constrLst>
-      </dgm:if>
-      <dgm:else name="Name6">
-        <dgm:constrLst>
-          <dgm:constr type="h" for="ch" forName="compNode" refType="h" fact="0.4"/>
-          <dgm:constr type="w" for="ch" forName="compNode" refType="w"/>
-          <dgm:constr type="w" for="ch" forName="sibTrans" refType="w" refFor="ch" refForName="compNode" fact="0.175"/>
-          <dgm:constr type="sp" refType="w" refFor="ch" refForName="compNode" op="equ" fact="0.25"/>
-          <dgm:constr type="primFontSz" for="des" ptType="node" op="equ" val="24"/>
-          <dgm:constr type="h" for="des" forName="compNode" op="equ"/>
-          <dgm:constr type="h" for="des" forName="textRect" op="equ"/>
-        </dgm:constrLst>
-      </dgm:else>
-    </dgm:choose>
-    <dgm:ruleLst>
-      <dgm:rule type="w" for="ch" forName="compNode" val="50" fact="NaN" max="NaN"/>
-    </dgm:ruleLst>
-    <dgm:forEach name="Name7" axis="ch" ptType="node">
-      <dgm:layoutNode name="compNode">
-        <dgm:alg type="composite"/>
-        <dgm:shape xmlns:r="http://schemas.openxmlformats.org/officeDocument/2006/relationships" r:blip="">
-          <dgm:adjLst/>
-        </dgm:shape>
-        <dgm:presOf axis="self"/>
-        <dgm:constrLst>
-          <dgm:constr type="w" for="ch" forName="iconRect" refType="w" fact="0.45"/>
-          <dgm:constr type="h" for="ch" forName="iconRect" refType="w" refFor="ch" refForName="iconRect"/>
-          <dgm:constr type="ctrX" for="ch" forName="iconRect" refType="w" fact="0.5"/>
-          <dgm:constr type="t" for="ch" forName="iconRect"/>
-          <dgm:constr type="h" for="ch" forName="spaceRect" refType="h" fact="0.15"/>
-          <dgm:constr type="w" for="ch" forName="spaceRect" refType="w"/>
-          <dgm:constr type="l" for="ch" forName="spaceRect"/>
-          <dgm:constr type="t" for="ch" forName="spaceRect" refType="b" refFor="ch" refForName="iconRect"/>
-          <dgm:constr type="h" for="ch" forName="textRect" val="20"/>
-          <dgm:constr type="w" for="ch" forName="textRect" refType="w"/>
-          <dgm:constr type="l" for="ch" forName="textRect"/>
-          <dgm:constr type="t" for="ch" forName="textRect" refType="b" refFor="ch" refForName="spaceRect"/>
-        </dgm:constrLst>
-        <dgm:ruleLst>
-          <dgm:rule type="h" val="INF" fact="NaN" max="NaN"/>
-        </dgm:ruleLst>
-        <dgm:layoutNode name="iconRect" styleLbl="node1">
-          <dgm:alg type="sp"/>
-          <dgm:shape xmlns:r="http://schemas.openxmlformats.org/officeDocument/2006/relationships" type="rect" r:blip="" blipPhldr="1">
-            <dgm:adjLst/>
-          </dgm:shape>
-          <dgm:presOf/>
-          <dgm:constrLst/>
-          <dgm:ruleLst/>
-        </dgm:layoutNode>
-        <dgm:layoutNode name="spaceRect">
-          <dgm:alg type="sp"/>
-          <dgm:shape xmlns:r="http://schemas.openxmlformats.org/officeDocument/2006/relationships" r:blip="">
-            <dgm:adjLst/>
-          </dgm:shape>
-          <dgm:presOf/>
-          <dgm:constrLst/>
-          <dgm:ruleLst/>
-        </dgm:layoutNode>
-        <dgm:layoutNode name="textRect" styleLbl="revTx">
-          <dgm:varLst>
-            <dgm:chMax val="1"/>
-            <dgm:chPref val="1"/>
-          </dgm:varLst>
-          <dgm:alg type="tx">
-            <dgm:param type="txAnchorVert" val="t"/>
-          </dgm:alg>
-          <dgm:shape xmlns:r="http://schemas.openxmlformats.org/officeDocument/2006/relationships" type="rect" r:blip="">
-            <dgm:adjLst/>
-          </dgm:shape>
-          <dgm:presOf axis="self" ptType="node"/>
-          <dgm:constrLst>
-            <dgm:constr type="lMarg"/>
-            <dgm:constr type="rMarg"/>
-            <dgm:constr type="tMarg"/>
-            <dgm:constr type="bMarg"/>
-          </dgm:constrLst>
-          <dgm:ruleLst>
-            <dgm:rule type="primFontSz" val="11" fact="NaN" max="NaN"/>
-            <dgm:rule type="h" val="INF" fact="NaN" max="NaN"/>
-          </dgm:ruleLst>
-        </dgm:layoutNode>
-      </dgm:layoutNode>
-      <dgm:forEach name="Name8" axis="followSib" ptType="sibTrans" cnt="1">
-        <dgm:layoutNode name="sibTrans">
-          <dgm:alg type="sp"/>
-          <dgm:shape xmlns:r="http://schemas.openxmlformats.org/officeDocument/2006/relationships" r:blip="">
-            <dgm:adjLst/>
-          </dgm:shape>
-          <dgm:presOf axis="self"/>
-          <dgm:constrLst/>
-          <dgm:ruleLst/>
-        </dgm:layoutNode>
-      </dgm:forEach>
-    </dgm:forEach>
-  </dgm:layoutNode>
-  <dgm:extLst>
-    <a:ext uri="{68A01E43-0DF5-4B5B-8FA6-DAF915123BFB}">
-      <dgm1612:lstStyle xmlns:dgm1612="http://schemas.microsoft.com/office/drawing/2016/12/diagram">
-        <a:lvl1pPr>
-          <a:lnSpc>
-            <a:spcPct val="100000"/>
-          </a:lnSpc>
-        </a:lvl1pPr>
-      </dgm1612:lstStyle>
-    </a:ext>
-  </dgm:extLst>
-</dgm:layoutDef>
-</file>
-
-<file path=ppt/diagrams/layout2.xml><?xml version="1.0" encoding="utf-8"?>
 <dgm:layoutDef xmlns:dgm="http://schemas.openxmlformats.org/drawingml/2006/diagram" xmlns:a="http://schemas.openxmlformats.org/drawingml/2006/main" uniqueId="urn:microsoft.com/office/officeart/2008/layout/VerticalCurvedList">
   <dgm:title val=""/>
   <dgm:desc val=""/>
@@ -4487,1040 +2897,6 @@
 </file>
 
 <file path=ppt/diagrams/quickStyle1.xml><?xml version="1.0" encoding="utf-8"?>
-<dgm:styleDef xmlns:dgm="http://schemas.openxmlformats.org/drawingml/2006/diagram" xmlns:a="http://schemas.openxmlformats.org/drawingml/2006/main" uniqueId="urn:microsoft.com/office/officeart/2005/8/quickstyle/simple1">
-  <dgm:title val=""/>
-  <dgm:desc val=""/>
-  <dgm:catLst>
-    <dgm:cat type="simple" pri="10100"/>
-  </dgm:catLst>
-  <dgm:scene3d>
-    <a:camera prst="orthographicFront"/>
-    <a:lightRig rig="threePt" dir="t"/>
-  </dgm:scene3d>
-  <dgm:styleLbl name="node0">
-    <dgm:scene3d>
-      <a:camera prst="orthographicFront"/>
-      <a:lightRig rig="threePt" dir="t"/>
-    </dgm:scene3d>
-    <dgm:sp3d/>
-    <dgm:txPr/>
-    <dgm:style>
-      <a:lnRef idx="2">
-        <a:scrgbClr r="0" g="0" b="0"/>
-      </a:lnRef>
-      <a:fillRef idx="1">
-        <a:scrgbClr r="0" g="0" b="0"/>
-      </a:fillRef>
-      <a:effectRef idx="0">
-        <a:scrgbClr r="0" g="0" b="0"/>
-      </a:effectRef>
-      <a:fontRef idx="minor">
-        <a:schemeClr val="lt1"/>
-      </a:fontRef>
-    </dgm:style>
-  </dgm:styleLbl>
-  <dgm:styleLbl name="lnNode1">
-    <dgm:scene3d>
-      <a:camera prst="orthographicFront"/>
-      <a:lightRig rig="threePt" dir="t"/>
-    </dgm:scene3d>
-    <dgm:sp3d/>
-    <dgm:txPr/>
-    <dgm:style>
-      <a:lnRef idx="2">
-        <a:scrgbClr r="0" g="0" b="0"/>
-      </a:lnRef>
-      <a:fillRef idx="1">
-        <a:scrgbClr r="0" g="0" b="0"/>
-      </a:fillRef>
-      <a:effectRef idx="0">
-        <a:scrgbClr r="0" g="0" b="0"/>
-      </a:effectRef>
-      <a:fontRef idx="minor">
-        <a:schemeClr val="lt1"/>
-      </a:fontRef>
-    </dgm:style>
-  </dgm:styleLbl>
-  <dgm:styleLbl name="vennNode1">
-    <dgm:scene3d>
-      <a:camera prst="orthographicFront"/>
-      <a:lightRig rig="threePt" dir="t"/>
-    </dgm:scene3d>
-    <dgm:sp3d/>
-    <dgm:txPr/>
-    <dgm:style>
-      <a:lnRef idx="2">
-        <a:scrgbClr r="0" g="0" b="0"/>
-      </a:lnRef>
-      <a:fillRef idx="1">
-        <a:scrgbClr r="0" g="0" b="0"/>
-      </a:fillRef>
-      <a:effectRef idx="0">
-        <a:scrgbClr r="0" g="0" b="0"/>
-      </a:effectRef>
-      <a:fontRef idx="minor">
-        <a:schemeClr val="tx1"/>
-      </a:fontRef>
-    </dgm:style>
-  </dgm:styleLbl>
-  <dgm:styleLbl name="alignNode1">
-    <dgm:scene3d>
-      <a:camera prst="orthographicFront"/>
-      <a:lightRig rig="threePt" dir="t"/>
-    </dgm:scene3d>
-    <dgm:sp3d/>
-    <dgm:txPr/>
-    <dgm:style>
-      <a:lnRef idx="2">
-        <a:scrgbClr r="0" g="0" b="0"/>
-      </a:lnRef>
-      <a:fillRef idx="1">
-        <a:scrgbClr r="0" g="0" b="0"/>
-      </a:fillRef>
-      <a:effectRef idx="0">
-        <a:scrgbClr r="0" g="0" b="0"/>
-      </a:effectRef>
-      <a:fontRef idx="minor">
-        <a:schemeClr val="lt1"/>
-      </a:fontRef>
-    </dgm:style>
-  </dgm:styleLbl>
-  <dgm:styleLbl name="node1">
-    <dgm:scene3d>
-      <a:camera prst="orthographicFront"/>
-      <a:lightRig rig="threePt" dir="t"/>
-    </dgm:scene3d>
-    <dgm:sp3d/>
-    <dgm:txPr/>
-    <dgm:style>
-      <a:lnRef idx="2">
-        <a:scrgbClr r="0" g="0" b="0"/>
-      </a:lnRef>
-      <a:fillRef idx="1">
-        <a:scrgbClr r="0" g="0" b="0"/>
-      </a:fillRef>
-      <a:effectRef idx="0">
-        <a:scrgbClr r="0" g="0" b="0"/>
-      </a:effectRef>
-      <a:fontRef idx="minor">
-        <a:schemeClr val="lt1"/>
-      </a:fontRef>
-    </dgm:style>
-  </dgm:styleLbl>
-  <dgm:styleLbl name="node2">
-    <dgm:scene3d>
-      <a:camera prst="orthographicFront"/>
-      <a:lightRig rig="threePt" dir="t"/>
-    </dgm:scene3d>
-    <dgm:sp3d/>
-    <dgm:txPr/>
-    <dgm:style>
-      <a:lnRef idx="2">
-        <a:scrgbClr r="0" g="0" b="0"/>
-      </a:lnRef>
-      <a:fillRef idx="1">
-        <a:scrgbClr r="0" g="0" b="0"/>
-      </a:fillRef>
-      <a:effectRef idx="0">
-        <a:scrgbClr r="0" g="0" b="0"/>
-      </a:effectRef>
-      <a:fontRef idx="minor">
-        <a:schemeClr val="lt1"/>
-      </a:fontRef>
-    </dgm:style>
-  </dgm:styleLbl>
-  <dgm:styleLbl name="node3">
-    <dgm:scene3d>
-      <a:camera prst="orthographicFront"/>
-      <a:lightRig rig="threePt" dir="t"/>
-    </dgm:scene3d>
-    <dgm:sp3d/>
-    <dgm:txPr/>
-    <dgm:style>
-      <a:lnRef idx="2">
-        <a:scrgbClr r="0" g="0" b="0"/>
-      </a:lnRef>
-      <a:fillRef idx="1">
-        <a:scrgbClr r="0" g="0" b="0"/>
-      </a:fillRef>
-      <a:effectRef idx="0">
-        <a:scrgbClr r="0" g="0" b="0"/>
-      </a:effectRef>
-      <a:fontRef idx="minor">
-        <a:schemeClr val="lt1"/>
-      </a:fontRef>
-    </dgm:style>
-  </dgm:styleLbl>
-  <dgm:styleLbl name="node4">
-    <dgm:scene3d>
-      <a:camera prst="orthographicFront"/>
-      <a:lightRig rig="threePt" dir="t"/>
-    </dgm:scene3d>
-    <dgm:sp3d/>
-    <dgm:txPr/>
-    <dgm:style>
-      <a:lnRef idx="2">
-        <a:scrgbClr r="0" g="0" b="0"/>
-      </a:lnRef>
-      <a:fillRef idx="1">
-        <a:scrgbClr r="0" g="0" b="0"/>
-      </a:fillRef>
-      <a:effectRef idx="0">
-        <a:scrgbClr r="0" g="0" b="0"/>
-      </a:effectRef>
-      <a:fontRef idx="minor">
-        <a:schemeClr val="lt1"/>
-      </a:fontRef>
-    </dgm:style>
-  </dgm:styleLbl>
-  <dgm:styleLbl name="fgImgPlace1">
-    <dgm:scene3d>
-      <a:camera prst="orthographicFront"/>
-      <a:lightRig rig="threePt" dir="t"/>
-    </dgm:scene3d>
-    <dgm:sp3d/>
-    <dgm:txPr/>
-    <dgm:style>
-      <a:lnRef idx="2">
-        <a:scrgbClr r="0" g="0" b="0"/>
-      </a:lnRef>
-      <a:fillRef idx="1">
-        <a:scrgbClr r="0" g="0" b="0"/>
-      </a:fillRef>
-      <a:effectRef idx="0">
-        <a:scrgbClr r="0" g="0" b="0"/>
-      </a:effectRef>
-      <a:fontRef idx="minor"/>
-    </dgm:style>
-  </dgm:styleLbl>
-  <dgm:styleLbl name="alignImgPlace1">
-    <dgm:scene3d>
-      <a:camera prst="orthographicFront"/>
-      <a:lightRig rig="threePt" dir="t"/>
-    </dgm:scene3d>
-    <dgm:sp3d/>
-    <dgm:txPr/>
-    <dgm:style>
-      <a:lnRef idx="2">
-        <a:scrgbClr r="0" g="0" b="0"/>
-      </a:lnRef>
-      <a:fillRef idx="1">
-        <a:scrgbClr r="0" g="0" b="0"/>
-      </a:fillRef>
-      <a:effectRef idx="0">
-        <a:scrgbClr r="0" g="0" b="0"/>
-      </a:effectRef>
-      <a:fontRef idx="minor"/>
-    </dgm:style>
-  </dgm:styleLbl>
-  <dgm:styleLbl name="bgImgPlace1">
-    <dgm:scene3d>
-      <a:camera prst="orthographicFront"/>
-      <a:lightRig rig="threePt" dir="t"/>
-    </dgm:scene3d>
-    <dgm:sp3d/>
-    <dgm:txPr/>
-    <dgm:style>
-      <a:lnRef idx="2">
-        <a:scrgbClr r="0" g="0" b="0"/>
-      </a:lnRef>
-      <a:fillRef idx="1">
-        <a:scrgbClr r="0" g="0" b="0"/>
-      </a:fillRef>
-      <a:effectRef idx="0">
-        <a:scrgbClr r="0" g="0" b="0"/>
-      </a:effectRef>
-      <a:fontRef idx="minor"/>
-    </dgm:style>
-  </dgm:styleLbl>
-  <dgm:styleLbl name="sibTrans2D1">
-    <dgm:scene3d>
-      <a:camera prst="orthographicFront"/>
-      <a:lightRig rig="threePt" dir="t"/>
-    </dgm:scene3d>
-    <dgm:sp3d/>
-    <dgm:txPr/>
-    <dgm:style>
-      <a:lnRef idx="0">
-        <a:scrgbClr r="0" g="0" b="0"/>
-      </a:lnRef>
-      <a:fillRef idx="1">
-        <a:scrgbClr r="0" g="0" b="0"/>
-      </a:fillRef>
-      <a:effectRef idx="0">
-        <a:scrgbClr r="0" g="0" b="0"/>
-      </a:effectRef>
-      <a:fontRef idx="minor">
-        <a:schemeClr val="lt1"/>
-      </a:fontRef>
-    </dgm:style>
-  </dgm:styleLbl>
-  <dgm:styleLbl name="fgSibTrans2D1">
-    <dgm:scene3d>
-      <a:camera prst="orthographicFront"/>
-      <a:lightRig rig="threePt" dir="t"/>
-    </dgm:scene3d>
-    <dgm:sp3d/>
-    <dgm:txPr/>
-    <dgm:style>
-      <a:lnRef idx="0">
-        <a:scrgbClr r="0" g="0" b="0"/>
-      </a:lnRef>
-      <a:fillRef idx="1">
-        <a:scrgbClr r="0" g="0" b="0"/>
-      </a:fillRef>
-      <a:effectRef idx="0">
-        <a:scrgbClr r="0" g="0" b="0"/>
-      </a:effectRef>
-      <a:fontRef idx="minor">
-        <a:schemeClr val="lt1"/>
-      </a:fontRef>
-    </dgm:style>
-  </dgm:styleLbl>
-  <dgm:styleLbl name="bgSibTrans2D1">
-    <dgm:scene3d>
-      <a:camera prst="orthographicFront"/>
-      <a:lightRig rig="threePt" dir="t"/>
-    </dgm:scene3d>
-    <dgm:sp3d/>
-    <dgm:txPr/>
-    <dgm:style>
-      <a:lnRef idx="0">
-        <a:scrgbClr r="0" g="0" b="0"/>
-      </a:lnRef>
-      <a:fillRef idx="1">
-        <a:scrgbClr r="0" g="0" b="0"/>
-      </a:fillRef>
-      <a:effectRef idx="0">
-        <a:scrgbClr r="0" g="0" b="0"/>
-      </a:effectRef>
-      <a:fontRef idx="minor">
-        <a:schemeClr val="lt1"/>
-      </a:fontRef>
-    </dgm:style>
-  </dgm:styleLbl>
-  <dgm:styleLbl name="sibTrans1D1">
-    <dgm:scene3d>
-      <a:camera prst="orthographicFront"/>
-      <a:lightRig rig="threePt" dir="t"/>
-    </dgm:scene3d>
-    <dgm:sp3d/>
-    <dgm:txPr/>
-    <dgm:style>
-      <a:lnRef idx="1">
-        <a:scrgbClr r="0" g="0" b="0"/>
-      </a:lnRef>
-      <a:fillRef idx="0">
-        <a:scrgbClr r="0" g="0" b="0"/>
-      </a:fillRef>
-      <a:effectRef idx="0">
-        <a:scrgbClr r="0" g="0" b="0"/>
-      </a:effectRef>
-      <a:fontRef idx="minor"/>
-    </dgm:style>
-  </dgm:styleLbl>
-  <dgm:styleLbl name="callout">
-    <dgm:scene3d>
-      <a:camera prst="orthographicFront"/>
-      <a:lightRig rig="threePt" dir="t"/>
-    </dgm:scene3d>
-    <dgm:sp3d/>
-    <dgm:txPr/>
-    <dgm:style>
-      <a:lnRef idx="2">
-        <a:scrgbClr r="0" g="0" b="0"/>
-      </a:lnRef>
-      <a:fillRef idx="1">
-        <a:scrgbClr r="0" g="0" b="0"/>
-      </a:fillRef>
-      <a:effectRef idx="0">
-        <a:scrgbClr r="0" g="0" b="0"/>
-      </a:effectRef>
-      <a:fontRef idx="minor"/>
-    </dgm:style>
-  </dgm:styleLbl>
-  <dgm:styleLbl name="asst0">
-    <dgm:scene3d>
-      <a:camera prst="orthographicFront"/>
-      <a:lightRig rig="threePt" dir="t"/>
-    </dgm:scene3d>
-    <dgm:sp3d/>
-    <dgm:txPr/>
-    <dgm:style>
-      <a:lnRef idx="2">
-        <a:scrgbClr r="0" g="0" b="0"/>
-      </a:lnRef>
-      <a:fillRef idx="1">
-        <a:scrgbClr r="0" g="0" b="0"/>
-      </a:fillRef>
-      <a:effectRef idx="0">
-        <a:scrgbClr r="0" g="0" b="0"/>
-      </a:effectRef>
-      <a:fontRef idx="minor">
-        <a:schemeClr val="lt1"/>
-      </a:fontRef>
-    </dgm:style>
-  </dgm:styleLbl>
-  <dgm:styleLbl name="asst1">
-    <dgm:scene3d>
-      <a:camera prst="orthographicFront"/>
-      <a:lightRig rig="threePt" dir="t"/>
-    </dgm:scene3d>
-    <dgm:sp3d/>
-    <dgm:txPr/>
-    <dgm:style>
-      <a:lnRef idx="2">
-        <a:scrgbClr r="0" g="0" b="0"/>
-      </a:lnRef>
-      <a:fillRef idx="1">
-        <a:scrgbClr r="0" g="0" b="0"/>
-      </a:fillRef>
-      <a:effectRef idx="0">
-        <a:scrgbClr r="0" g="0" b="0"/>
-      </a:effectRef>
-      <a:fontRef idx="minor">
-        <a:schemeClr val="lt1"/>
-      </a:fontRef>
-    </dgm:style>
-  </dgm:styleLbl>
-  <dgm:styleLbl name="asst2">
-    <dgm:scene3d>
-      <a:camera prst="orthographicFront"/>
-      <a:lightRig rig="threePt" dir="t"/>
-    </dgm:scene3d>
-    <dgm:sp3d/>
-    <dgm:txPr/>
-    <dgm:style>
-      <a:lnRef idx="2">
-        <a:scrgbClr r="0" g="0" b="0"/>
-      </a:lnRef>
-      <a:fillRef idx="1">
-        <a:scrgbClr r="0" g="0" b="0"/>
-      </a:fillRef>
-      <a:effectRef idx="0">
-        <a:scrgbClr r="0" g="0" b="0"/>
-      </a:effectRef>
-      <a:fontRef idx="minor">
-        <a:schemeClr val="lt1"/>
-      </a:fontRef>
-    </dgm:style>
-  </dgm:styleLbl>
-  <dgm:styleLbl name="asst3">
-    <dgm:scene3d>
-      <a:camera prst="orthographicFront"/>
-      <a:lightRig rig="threePt" dir="t"/>
-    </dgm:scene3d>
-    <dgm:sp3d/>
-    <dgm:txPr/>
-    <dgm:style>
-      <a:lnRef idx="2">
-        <a:scrgbClr r="0" g="0" b="0"/>
-      </a:lnRef>
-      <a:fillRef idx="1">
-        <a:scrgbClr r="0" g="0" b="0"/>
-      </a:fillRef>
-      <a:effectRef idx="0">
-        <a:scrgbClr r="0" g="0" b="0"/>
-      </a:effectRef>
-      <a:fontRef idx="minor">
-        <a:schemeClr val="lt1"/>
-      </a:fontRef>
-    </dgm:style>
-  </dgm:styleLbl>
-  <dgm:styleLbl name="asst4">
-    <dgm:scene3d>
-      <a:camera prst="orthographicFront"/>
-      <a:lightRig rig="threePt" dir="t"/>
-    </dgm:scene3d>
-    <dgm:sp3d/>
-    <dgm:txPr/>
-    <dgm:style>
-      <a:lnRef idx="2">
-        <a:scrgbClr r="0" g="0" b="0"/>
-      </a:lnRef>
-      <a:fillRef idx="1">
-        <a:scrgbClr r="0" g="0" b="0"/>
-      </a:fillRef>
-      <a:effectRef idx="0">
-        <a:scrgbClr r="0" g="0" b="0"/>
-      </a:effectRef>
-      <a:fontRef idx="minor">
-        <a:schemeClr val="lt1"/>
-      </a:fontRef>
-    </dgm:style>
-  </dgm:styleLbl>
-  <dgm:styleLbl name="parChTrans2D1">
-    <dgm:scene3d>
-      <a:camera prst="orthographicFront"/>
-      <a:lightRig rig="threePt" dir="t"/>
-    </dgm:scene3d>
-    <dgm:sp3d/>
-    <dgm:txPr/>
-    <dgm:style>
-      <a:lnRef idx="2">
-        <a:scrgbClr r="0" g="0" b="0"/>
-      </a:lnRef>
-      <a:fillRef idx="1">
-        <a:scrgbClr r="0" g="0" b="0"/>
-      </a:fillRef>
-      <a:effectRef idx="0">
-        <a:scrgbClr r="0" g="0" b="0"/>
-      </a:effectRef>
-      <a:fontRef idx="minor">
-        <a:schemeClr val="lt1"/>
-      </a:fontRef>
-    </dgm:style>
-  </dgm:styleLbl>
-  <dgm:styleLbl name="parChTrans2D2">
-    <dgm:scene3d>
-      <a:camera prst="orthographicFront"/>
-      <a:lightRig rig="threePt" dir="t"/>
-    </dgm:scene3d>
-    <dgm:sp3d/>
-    <dgm:txPr/>
-    <dgm:style>
-      <a:lnRef idx="2">
-        <a:scrgbClr r="0" g="0" b="0"/>
-      </a:lnRef>
-      <a:fillRef idx="1">
-        <a:scrgbClr r="0" g="0" b="0"/>
-      </a:fillRef>
-      <a:effectRef idx="0">
-        <a:scrgbClr r="0" g="0" b="0"/>
-      </a:effectRef>
-      <a:fontRef idx="minor">
-        <a:schemeClr val="lt1"/>
-      </a:fontRef>
-    </dgm:style>
-  </dgm:styleLbl>
-  <dgm:styleLbl name="parChTrans2D3">
-    <dgm:scene3d>
-      <a:camera prst="orthographicFront"/>
-      <a:lightRig rig="threePt" dir="t"/>
-    </dgm:scene3d>
-    <dgm:sp3d/>
-    <dgm:txPr/>
-    <dgm:style>
-      <a:lnRef idx="2">
-        <a:scrgbClr r="0" g="0" b="0"/>
-      </a:lnRef>
-      <a:fillRef idx="1">
-        <a:scrgbClr r="0" g="0" b="0"/>
-      </a:fillRef>
-      <a:effectRef idx="0">
-        <a:scrgbClr r="0" g="0" b="0"/>
-      </a:effectRef>
-      <a:fontRef idx="minor">
-        <a:schemeClr val="lt1"/>
-      </a:fontRef>
-    </dgm:style>
-  </dgm:styleLbl>
-  <dgm:styleLbl name="parChTrans2D4">
-    <dgm:scene3d>
-      <a:camera prst="orthographicFront"/>
-      <a:lightRig rig="threePt" dir="t"/>
-    </dgm:scene3d>
-    <dgm:sp3d/>
-    <dgm:txPr/>
-    <dgm:style>
-      <a:lnRef idx="2">
-        <a:scrgbClr r="0" g="0" b="0"/>
-      </a:lnRef>
-      <a:fillRef idx="1">
-        <a:scrgbClr r="0" g="0" b="0"/>
-      </a:fillRef>
-      <a:effectRef idx="0">
-        <a:scrgbClr r="0" g="0" b="0"/>
-      </a:effectRef>
-      <a:fontRef idx="minor">
-        <a:schemeClr val="lt1"/>
-      </a:fontRef>
-    </dgm:style>
-  </dgm:styleLbl>
-  <dgm:styleLbl name="parChTrans1D1">
-    <dgm:scene3d>
-      <a:camera prst="orthographicFront"/>
-      <a:lightRig rig="threePt" dir="t"/>
-    </dgm:scene3d>
-    <dgm:sp3d/>
-    <dgm:txPr/>
-    <dgm:style>
-      <a:lnRef idx="2">
-        <a:scrgbClr r="0" g="0" b="0"/>
-      </a:lnRef>
-      <a:fillRef idx="0">
-        <a:scrgbClr r="0" g="0" b="0"/>
-      </a:fillRef>
-      <a:effectRef idx="0">
-        <a:scrgbClr r="0" g="0" b="0"/>
-      </a:effectRef>
-      <a:fontRef idx="minor"/>
-    </dgm:style>
-  </dgm:styleLbl>
-  <dgm:styleLbl name="parChTrans1D2">
-    <dgm:scene3d>
-      <a:camera prst="orthographicFront"/>
-      <a:lightRig rig="threePt" dir="t"/>
-    </dgm:scene3d>
-    <dgm:sp3d/>
-    <dgm:txPr/>
-    <dgm:style>
-      <a:lnRef idx="2">
-        <a:scrgbClr r="0" g="0" b="0"/>
-      </a:lnRef>
-      <a:fillRef idx="0">
-        <a:scrgbClr r="0" g="0" b="0"/>
-      </a:fillRef>
-      <a:effectRef idx="0">
-        <a:scrgbClr r="0" g="0" b="0"/>
-      </a:effectRef>
-      <a:fontRef idx="minor"/>
-    </dgm:style>
-  </dgm:styleLbl>
-  <dgm:styleLbl name="parChTrans1D3">
-    <dgm:scene3d>
-      <a:camera prst="orthographicFront"/>
-      <a:lightRig rig="threePt" dir="t"/>
-    </dgm:scene3d>
-    <dgm:sp3d/>
-    <dgm:txPr/>
-    <dgm:style>
-      <a:lnRef idx="2">
-        <a:scrgbClr r="0" g="0" b="0"/>
-      </a:lnRef>
-      <a:fillRef idx="0">
-        <a:scrgbClr r="0" g="0" b="0"/>
-      </a:fillRef>
-      <a:effectRef idx="0">
-        <a:scrgbClr r="0" g="0" b="0"/>
-      </a:effectRef>
-      <a:fontRef idx="minor"/>
-    </dgm:style>
-  </dgm:styleLbl>
-  <dgm:styleLbl name="parChTrans1D4">
-    <dgm:scene3d>
-      <a:camera prst="orthographicFront"/>
-      <a:lightRig rig="threePt" dir="t"/>
-    </dgm:scene3d>
-    <dgm:sp3d/>
-    <dgm:txPr/>
-    <dgm:style>
-      <a:lnRef idx="2">
-        <a:scrgbClr r="0" g="0" b="0"/>
-      </a:lnRef>
-      <a:fillRef idx="0">
-        <a:scrgbClr r="0" g="0" b="0"/>
-      </a:fillRef>
-      <a:effectRef idx="0">
-        <a:scrgbClr r="0" g="0" b="0"/>
-      </a:effectRef>
-      <a:fontRef idx="minor"/>
-    </dgm:style>
-  </dgm:styleLbl>
-  <dgm:styleLbl name="fgAcc1">
-    <dgm:scene3d>
-      <a:camera prst="orthographicFront"/>
-      <a:lightRig rig="threePt" dir="t"/>
-    </dgm:scene3d>
-    <dgm:sp3d/>
-    <dgm:txPr/>
-    <dgm:style>
-      <a:lnRef idx="2">
-        <a:scrgbClr r="0" g="0" b="0"/>
-      </a:lnRef>
-      <a:fillRef idx="1">
-        <a:scrgbClr r="0" g="0" b="0"/>
-      </a:fillRef>
-      <a:effectRef idx="0">
-        <a:scrgbClr r="0" g="0" b="0"/>
-      </a:effectRef>
-      <a:fontRef idx="minor"/>
-    </dgm:style>
-  </dgm:styleLbl>
-  <dgm:styleLbl name="conFgAcc1">
-    <dgm:scene3d>
-      <a:camera prst="orthographicFront"/>
-      <a:lightRig rig="threePt" dir="t"/>
-    </dgm:scene3d>
-    <dgm:sp3d/>
-    <dgm:txPr/>
-    <dgm:style>
-      <a:lnRef idx="2">
-        <a:scrgbClr r="0" g="0" b="0"/>
-      </a:lnRef>
-      <a:fillRef idx="1">
-        <a:scrgbClr r="0" g="0" b="0"/>
-      </a:fillRef>
-      <a:effectRef idx="0">
-        <a:scrgbClr r="0" g="0" b="0"/>
-      </a:effectRef>
-      <a:fontRef idx="minor"/>
-    </dgm:style>
-  </dgm:styleLbl>
-  <dgm:styleLbl name="alignAcc1">
-    <dgm:scene3d>
-      <a:camera prst="orthographicFront"/>
-      <a:lightRig rig="threePt" dir="t"/>
-    </dgm:scene3d>
-    <dgm:sp3d/>
-    <dgm:txPr/>
-    <dgm:style>
-      <a:lnRef idx="2">
-        <a:scrgbClr r="0" g="0" b="0"/>
-      </a:lnRef>
-      <a:fillRef idx="1">
-        <a:scrgbClr r="0" g="0" b="0"/>
-      </a:fillRef>
-      <a:effectRef idx="0">
-        <a:scrgbClr r="0" g="0" b="0"/>
-      </a:effectRef>
-      <a:fontRef idx="minor"/>
-    </dgm:style>
-  </dgm:styleLbl>
-  <dgm:styleLbl name="trAlignAcc1">
-    <dgm:scene3d>
-      <a:camera prst="orthographicFront"/>
-      <a:lightRig rig="threePt" dir="t"/>
-    </dgm:scene3d>
-    <dgm:sp3d/>
-    <dgm:txPr/>
-    <dgm:style>
-      <a:lnRef idx="1">
-        <a:scrgbClr r="0" g="0" b="0"/>
-      </a:lnRef>
-      <a:fillRef idx="1">
-        <a:scrgbClr r="0" g="0" b="0"/>
-      </a:fillRef>
-      <a:effectRef idx="0">
-        <a:scrgbClr r="0" g="0" b="0"/>
-      </a:effectRef>
-      <a:fontRef idx="minor"/>
-    </dgm:style>
-  </dgm:styleLbl>
-  <dgm:styleLbl name="bgAcc1">
-    <dgm:scene3d>
-      <a:camera prst="orthographicFront"/>
-      <a:lightRig rig="threePt" dir="t"/>
-    </dgm:scene3d>
-    <dgm:sp3d/>
-    <dgm:txPr/>
-    <dgm:style>
-      <a:lnRef idx="2">
-        <a:scrgbClr r="0" g="0" b="0"/>
-      </a:lnRef>
-      <a:fillRef idx="1">
-        <a:scrgbClr r="0" g="0" b="0"/>
-      </a:fillRef>
-      <a:effectRef idx="0">
-        <a:scrgbClr r="0" g="0" b="0"/>
-      </a:effectRef>
-      <a:fontRef idx="minor"/>
-    </dgm:style>
-  </dgm:styleLbl>
-  <dgm:styleLbl name="solidFgAcc1">
-    <dgm:scene3d>
-      <a:camera prst="orthographicFront"/>
-      <a:lightRig rig="threePt" dir="t"/>
-    </dgm:scene3d>
-    <dgm:sp3d/>
-    <dgm:txPr/>
-    <dgm:style>
-      <a:lnRef idx="2">
-        <a:scrgbClr r="0" g="0" b="0"/>
-      </a:lnRef>
-      <a:fillRef idx="1">
-        <a:scrgbClr r="0" g="0" b="0"/>
-      </a:fillRef>
-      <a:effectRef idx="0">
-        <a:scrgbClr r="0" g="0" b="0"/>
-      </a:effectRef>
-      <a:fontRef idx="minor"/>
-    </dgm:style>
-  </dgm:styleLbl>
-  <dgm:styleLbl name="solidAlignAcc1">
-    <dgm:scene3d>
-      <a:camera prst="orthographicFront"/>
-      <a:lightRig rig="threePt" dir="t"/>
-    </dgm:scene3d>
-    <dgm:sp3d/>
-    <dgm:txPr/>
-    <dgm:style>
-      <a:lnRef idx="2">
-        <a:scrgbClr r="0" g="0" b="0"/>
-      </a:lnRef>
-      <a:fillRef idx="1">
-        <a:scrgbClr r="0" g="0" b="0"/>
-      </a:fillRef>
-      <a:effectRef idx="0">
-        <a:scrgbClr r="0" g="0" b="0"/>
-      </a:effectRef>
-      <a:fontRef idx="minor"/>
-    </dgm:style>
-  </dgm:styleLbl>
-  <dgm:styleLbl name="solidBgAcc1">
-    <dgm:scene3d>
-      <a:camera prst="orthographicFront"/>
-      <a:lightRig rig="threePt" dir="t"/>
-    </dgm:scene3d>
-    <dgm:sp3d/>
-    <dgm:txPr/>
-    <dgm:style>
-      <a:lnRef idx="2">
-        <a:scrgbClr r="0" g="0" b="0"/>
-      </a:lnRef>
-      <a:fillRef idx="1">
-        <a:scrgbClr r="0" g="0" b="0"/>
-      </a:fillRef>
-      <a:effectRef idx="0">
-        <a:scrgbClr r="0" g="0" b="0"/>
-      </a:effectRef>
-      <a:fontRef idx="minor"/>
-    </dgm:style>
-  </dgm:styleLbl>
-  <dgm:styleLbl name="fgAccFollowNode1">
-    <dgm:scene3d>
-      <a:camera prst="orthographicFront"/>
-      <a:lightRig rig="threePt" dir="t"/>
-    </dgm:scene3d>
-    <dgm:sp3d/>
-    <dgm:txPr/>
-    <dgm:style>
-      <a:lnRef idx="2">
-        <a:scrgbClr r="0" g="0" b="0"/>
-      </a:lnRef>
-      <a:fillRef idx="1">
-        <a:scrgbClr r="0" g="0" b="0"/>
-      </a:fillRef>
-      <a:effectRef idx="0">
-        <a:scrgbClr r="0" g="0" b="0"/>
-      </a:effectRef>
-      <a:fontRef idx="minor"/>
-    </dgm:style>
-  </dgm:styleLbl>
-  <dgm:styleLbl name="alignAccFollowNode1">
-    <dgm:scene3d>
-      <a:camera prst="orthographicFront"/>
-      <a:lightRig rig="threePt" dir="t"/>
-    </dgm:scene3d>
-    <dgm:sp3d/>
-    <dgm:txPr/>
-    <dgm:style>
-      <a:lnRef idx="2">
-        <a:scrgbClr r="0" g="0" b="0"/>
-      </a:lnRef>
-      <a:fillRef idx="1">
-        <a:scrgbClr r="0" g="0" b="0"/>
-      </a:fillRef>
-      <a:effectRef idx="0">
-        <a:scrgbClr r="0" g="0" b="0"/>
-      </a:effectRef>
-      <a:fontRef idx="minor"/>
-    </dgm:style>
-  </dgm:styleLbl>
-  <dgm:styleLbl name="bgAccFollowNode1">
-    <dgm:scene3d>
-      <a:camera prst="orthographicFront"/>
-      <a:lightRig rig="threePt" dir="t"/>
-    </dgm:scene3d>
-    <dgm:sp3d/>
-    <dgm:txPr/>
-    <dgm:style>
-      <a:lnRef idx="2">
-        <a:scrgbClr r="0" g="0" b="0"/>
-      </a:lnRef>
-      <a:fillRef idx="1">
-        <a:scrgbClr r="0" g="0" b="0"/>
-      </a:fillRef>
-      <a:effectRef idx="0">
-        <a:scrgbClr r="0" g="0" b="0"/>
-      </a:effectRef>
-      <a:fontRef idx="minor"/>
-    </dgm:style>
-  </dgm:styleLbl>
-  <dgm:styleLbl name="fgAcc0">
-    <dgm:scene3d>
-      <a:camera prst="orthographicFront"/>
-      <a:lightRig rig="threePt" dir="t"/>
-    </dgm:scene3d>
-    <dgm:sp3d/>
-    <dgm:txPr/>
-    <dgm:style>
-      <a:lnRef idx="2">
-        <a:scrgbClr r="0" g="0" b="0"/>
-      </a:lnRef>
-      <a:fillRef idx="1">
-        <a:scrgbClr r="0" g="0" b="0"/>
-      </a:fillRef>
-      <a:effectRef idx="0">
-        <a:scrgbClr r="0" g="0" b="0"/>
-      </a:effectRef>
-      <a:fontRef idx="minor"/>
-    </dgm:style>
-  </dgm:styleLbl>
-  <dgm:styleLbl name="fgAcc2">
-    <dgm:scene3d>
-      <a:camera prst="orthographicFront"/>
-      <a:lightRig rig="threePt" dir="t"/>
-    </dgm:scene3d>
-    <dgm:sp3d/>
-    <dgm:txPr/>
-    <dgm:style>
-      <a:lnRef idx="2">
-        <a:scrgbClr r="0" g="0" b="0"/>
-      </a:lnRef>
-      <a:fillRef idx="1">
-        <a:scrgbClr r="0" g="0" b="0"/>
-      </a:fillRef>
-      <a:effectRef idx="0">
-        <a:scrgbClr r="0" g="0" b="0"/>
-      </a:effectRef>
-      <a:fontRef idx="minor"/>
-    </dgm:style>
-  </dgm:styleLbl>
-  <dgm:styleLbl name="fgAcc3">
-    <dgm:scene3d>
-      <a:camera prst="orthographicFront"/>
-      <a:lightRig rig="threePt" dir="t"/>
-    </dgm:scene3d>
-    <dgm:sp3d/>
-    <dgm:txPr/>
-    <dgm:style>
-      <a:lnRef idx="2">
-        <a:scrgbClr r="0" g="0" b="0"/>
-      </a:lnRef>
-      <a:fillRef idx="1">
-        <a:scrgbClr r="0" g="0" b="0"/>
-      </a:fillRef>
-      <a:effectRef idx="0">
-        <a:scrgbClr r="0" g="0" b="0"/>
-      </a:effectRef>
-      <a:fontRef idx="minor"/>
-    </dgm:style>
-  </dgm:styleLbl>
-  <dgm:styleLbl name="fgAcc4">
-    <dgm:scene3d>
-      <a:camera prst="orthographicFront"/>
-      <a:lightRig rig="threePt" dir="t"/>
-    </dgm:scene3d>
-    <dgm:sp3d/>
-    <dgm:txPr/>
-    <dgm:style>
-      <a:lnRef idx="2">
-        <a:scrgbClr r="0" g="0" b="0"/>
-      </a:lnRef>
-      <a:fillRef idx="1">
-        <a:scrgbClr r="0" g="0" b="0"/>
-      </a:fillRef>
-      <a:effectRef idx="0">
-        <a:scrgbClr r="0" g="0" b="0"/>
-      </a:effectRef>
-      <a:fontRef idx="minor"/>
-    </dgm:style>
-  </dgm:styleLbl>
-  <dgm:styleLbl name="bgShp">
-    <dgm:scene3d>
-      <a:camera prst="orthographicFront"/>
-      <a:lightRig rig="threePt" dir="t"/>
-    </dgm:scene3d>
-    <dgm:sp3d/>
-    <dgm:txPr/>
-    <dgm:style>
-      <a:lnRef idx="0">
-        <a:scrgbClr r="0" g="0" b="0"/>
-      </a:lnRef>
-      <a:fillRef idx="1">
-        <a:scrgbClr r="0" g="0" b="0"/>
-      </a:fillRef>
-      <a:effectRef idx="0">
-        <a:scrgbClr r="0" g="0" b="0"/>
-      </a:effectRef>
-      <a:fontRef idx="minor"/>
-    </dgm:style>
-  </dgm:styleLbl>
-  <dgm:styleLbl name="dkBgShp">
-    <dgm:scene3d>
-      <a:camera prst="orthographicFront"/>
-      <a:lightRig rig="threePt" dir="t"/>
-    </dgm:scene3d>
-    <dgm:sp3d/>
-    <dgm:txPr/>
-    <dgm:style>
-      <a:lnRef idx="0">
-        <a:scrgbClr r="0" g="0" b="0"/>
-      </a:lnRef>
-      <a:fillRef idx="1">
-        <a:scrgbClr r="0" g="0" b="0"/>
-      </a:fillRef>
-      <a:effectRef idx="0">
-        <a:scrgbClr r="0" g="0" b="0"/>
-      </a:effectRef>
-      <a:fontRef idx="minor"/>
-    </dgm:style>
-  </dgm:styleLbl>
-  <dgm:styleLbl name="trBgShp">
-    <dgm:scene3d>
-      <a:camera prst="orthographicFront"/>
-      <a:lightRig rig="threePt" dir="t"/>
-    </dgm:scene3d>
-    <dgm:sp3d/>
-    <dgm:txPr/>
-    <dgm:style>
-      <a:lnRef idx="0">
-        <a:scrgbClr r="0" g="0" b="0"/>
-      </a:lnRef>
-      <a:fillRef idx="1">
-        <a:scrgbClr r="0" g="0" b="0"/>
-      </a:fillRef>
-      <a:effectRef idx="0">
-        <a:scrgbClr r="0" g="0" b="0"/>
-      </a:effectRef>
-      <a:fontRef idx="minor"/>
-    </dgm:style>
-  </dgm:styleLbl>
-  <dgm:styleLbl name="fgShp">
-    <dgm:scene3d>
-      <a:camera prst="orthographicFront"/>
-      <a:lightRig rig="threePt" dir="t"/>
-    </dgm:scene3d>
-    <dgm:sp3d/>
-    <dgm:txPr/>
-    <dgm:style>
-      <a:lnRef idx="2">
-        <a:scrgbClr r="0" g="0" b="0"/>
-      </a:lnRef>
-      <a:fillRef idx="1">
-        <a:scrgbClr r="0" g="0" b="0"/>
-      </a:fillRef>
-      <a:effectRef idx="0">
-        <a:scrgbClr r="0" g="0" b="0"/>
-      </a:effectRef>
-      <a:fontRef idx="minor"/>
-    </dgm:style>
-  </dgm:styleLbl>
-  <dgm:styleLbl name="revTx">
-    <dgm:scene3d>
-      <a:camera prst="orthographicFront"/>
-      <a:lightRig rig="threePt" dir="t"/>
-    </dgm:scene3d>
-    <dgm:sp3d/>
-    <dgm:txPr/>
-    <dgm:style>
-      <a:lnRef idx="0">
-        <a:scrgbClr r="0" g="0" b="0"/>
-      </a:lnRef>
-      <a:fillRef idx="0">
-        <a:scrgbClr r="0" g="0" b="0"/>
-      </a:fillRef>
-      <a:effectRef idx="0">
-        <a:scrgbClr r="0" g="0" b="0"/>
-      </a:effectRef>
-      <a:fontRef idx="minor"/>
-    </dgm:style>
-  </dgm:styleLbl>
-</dgm:styleDef>
-</file>
-
-<file path=ppt/diagrams/quickStyle2.xml><?xml version="1.0" encoding="utf-8"?>
 <dgm:styleDef xmlns:dgm="http://schemas.openxmlformats.org/drawingml/2006/diagram" xmlns:a="http://schemas.openxmlformats.org/drawingml/2006/main" uniqueId="urn:microsoft.com/office/officeart/2005/8/quickstyle/simple4">
   <dgm:title val=""/>
   <dgm:desc val=""/>
@@ -7295,7 +4671,7 @@
     </p:spTree>
     <p:extLst>
       <p:ext uri="{BB962C8B-B14F-4D97-AF65-F5344CB8AC3E}">
-        <p14:creationId xmlns:p14="http://schemas.microsoft.com/office/powerpoint/2010/main" val="431927585"/>
+        <p14:creationId xmlns:p14="http://schemas.microsoft.com/office/powerpoint/2010/main" val="3505115597"/>
       </p:ext>
     </p:extLst>
   </p:cSld>
@@ -7373,92 +4749,6 @@
             <a:fld id="{C6B3AB32-59DF-41F1-9618-EDFBF5049629}" type="slidenum">
               <a:rPr lang="fr-FR" smtClean="0"/>
               <a:t>3</a:t>
-            </a:fld>
-            <a:endParaRPr lang="fr-FR"/>
-          </a:p>
-        </p:txBody>
-      </p:sp>
-    </p:spTree>
-    <p:extLst>
-      <p:ext uri="{BB962C8B-B14F-4D97-AF65-F5344CB8AC3E}">
-        <p14:creationId xmlns:p14="http://schemas.microsoft.com/office/powerpoint/2010/main" val="3505115597"/>
-      </p:ext>
-    </p:extLst>
-  </p:cSld>
-  <p:clrMapOvr>
-    <a:masterClrMapping/>
-  </p:clrMapOvr>
-</p:notes>
-</file>
-
-<file path=ppt/notesSlides/notesSlide4.xml><?xml version="1.0" encoding="utf-8"?>
-<p:notes xmlns:a="http://schemas.openxmlformats.org/drawingml/2006/main" xmlns:r="http://schemas.openxmlformats.org/officeDocument/2006/relationships" xmlns:p="http://schemas.openxmlformats.org/presentationml/2006/main">
-  <p:cSld>
-    <p:spTree>
-      <p:nvGrpSpPr>
-        <p:cNvPr id="1" name=""/>
-        <p:cNvGrpSpPr/>
-        <p:nvPr/>
-      </p:nvGrpSpPr>
-      <p:grpSpPr>
-        <a:xfrm>
-          <a:off x="0" y="0"/>
-          <a:ext cx="0" cy="0"/>
-          <a:chOff x="0" y="0"/>
-          <a:chExt cx="0" cy="0"/>
-        </a:xfrm>
-      </p:grpSpPr>
-      <p:sp>
-        <p:nvSpPr>
-          <p:cNvPr id="2" name="Espace réservé de l’image des diapositives 1"/>
-          <p:cNvSpPr>
-            <a:spLocks noGrp="1" noRot="1" noChangeAspect="1"/>
-          </p:cNvSpPr>
-          <p:nvPr>
-            <p:ph type="sldImg"/>
-          </p:nvPr>
-        </p:nvSpPr>
-        <p:spPr/>
-      </p:sp>
-      <p:sp>
-        <p:nvSpPr>
-          <p:cNvPr id="3" name="Espace réservé des commentaires 2"/>
-          <p:cNvSpPr>
-            <a:spLocks noGrp="1"/>
-          </p:cNvSpPr>
-          <p:nvPr>
-            <p:ph type="body" idx="1"/>
-          </p:nvPr>
-        </p:nvSpPr>
-        <p:spPr/>
-        <p:txBody>
-          <a:bodyPr rtlCol="0"/>
-          <a:lstStyle/>
-          <a:p>
-            <a:pPr rtl="0"/>
-            <a:endParaRPr lang="fr-FR"/>
-          </a:p>
-        </p:txBody>
-      </p:sp>
-      <p:sp>
-        <p:nvSpPr>
-          <p:cNvPr id="4" name="Espace réservé du numéro de diapositive 3"/>
-          <p:cNvSpPr>
-            <a:spLocks noGrp="1"/>
-          </p:cNvSpPr>
-          <p:nvPr>
-            <p:ph type="sldNum" sz="quarter" idx="5"/>
-          </p:nvPr>
-        </p:nvSpPr>
-        <p:spPr/>
-        <p:txBody>
-          <a:bodyPr rtlCol="0"/>
-          <a:lstStyle/>
-          <a:p>
-            <a:pPr rtl="0"/>
-            <a:fld id="{C6B3AB32-59DF-41F1-9618-EDFBF5049629}" type="slidenum">
-              <a:rPr lang="fr-FR" smtClean="0"/>
-              <a:t>4</a:t>
             </a:fld>
             <a:endParaRPr lang="fr-FR"/>
           </a:p>
@@ -11687,318 +8977,7 @@
 </p:sld>
 </file>
 
-<file path=ppt/slides/slide10.xml><?xml version="1.0" encoding="utf-8"?>
-<p:sld xmlns:a="http://schemas.openxmlformats.org/drawingml/2006/main" xmlns:r="http://schemas.openxmlformats.org/officeDocument/2006/relationships" xmlns:p="http://schemas.openxmlformats.org/presentationml/2006/main">
-  <p:cSld>
-    <p:spTree>
-      <p:nvGrpSpPr>
-        <p:cNvPr id="1" name=""/>
-        <p:cNvGrpSpPr/>
-        <p:nvPr/>
-      </p:nvGrpSpPr>
-      <p:grpSpPr>
-        <a:xfrm>
-          <a:off x="0" y="0"/>
-          <a:ext cx="0" cy="0"/>
-          <a:chOff x="0" y="0"/>
-          <a:chExt cx="0" cy="0"/>
-        </a:xfrm>
-      </p:grpSpPr>
-      <p:sp>
-        <p:nvSpPr>
-          <p:cNvPr id="2" name="Titre 1">
-            <a:extLst>
-              <a:ext uri="{FF2B5EF4-FFF2-40B4-BE49-F238E27FC236}">
-                <a16:creationId xmlns:a16="http://schemas.microsoft.com/office/drawing/2014/main" id="{F9904800-876F-485D-A7A0-0FACE59E6EF9}"/>
-              </a:ext>
-            </a:extLst>
-          </p:cNvPr>
-          <p:cNvSpPr>
-            <a:spLocks noGrp="1"/>
-          </p:cNvSpPr>
-          <p:nvPr>
-            <p:ph type="title"/>
-          </p:nvPr>
-        </p:nvSpPr>
-        <p:spPr/>
-        <p:txBody>
-          <a:bodyPr/>
-          <a:lstStyle/>
-          <a:p>
-            <a:r>
-              <a:rPr lang="fr-MA" dirty="0" err="1"/>
-              <a:t>hotgloo</a:t>
-            </a:r>
-            <a:endParaRPr lang="fr-MA" dirty="0"/>
-          </a:p>
-        </p:txBody>
-      </p:sp>
-      <p:pic>
-        <p:nvPicPr>
-          <p:cNvPr id="5" name="Espace réservé du contenu 4">
-            <a:extLst>
-              <a:ext uri="{FF2B5EF4-FFF2-40B4-BE49-F238E27FC236}">
-                <a16:creationId xmlns:a16="http://schemas.microsoft.com/office/drawing/2014/main" id="{83CED0D0-B542-43D9-B2BA-EC9F5F3541CC}"/>
-              </a:ext>
-            </a:extLst>
-          </p:cNvPr>
-          <p:cNvPicPr>
-            <a:picLocks noGrp="1" noChangeAspect="1"/>
-          </p:cNvPicPr>
-          <p:nvPr>
-            <p:ph idx="1"/>
-          </p:nvPr>
-        </p:nvPicPr>
-        <p:blipFill>
-          <a:blip r:embed="rId2"/>
-          <a:stretch>
-            <a:fillRect/>
-          </a:stretch>
-        </p:blipFill>
-        <p:spPr>
-          <a:xfrm>
-            <a:off x="650449" y="2181224"/>
-            <a:ext cx="10960359" cy="4332697"/>
-          </a:xfrm>
-        </p:spPr>
-      </p:pic>
-    </p:spTree>
-    <p:extLst>
-      <p:ext uri="{BB962C8B-B14F-4D97-AF65-F5344CB8AC3E}">
-        <p14:creationId xmlns:p14="http://schemas.microsoft.com/office/powerpoint/2010/main" val="2893907378"/>
-      </p:ext>
-    </p:extLst>
-  </p:cSld>
-  <p:clrMapOvr>
-    <a:masterClrMapping/>
-  </p:clrMapOvr>
-</p:sld>
-</file>
-
 <file path=ppt/slides/slide2.xml><?xml version="1.0" encoding="utf-8"?>
-<p:sld xmlns:a="http://schemas.openxmlformats.org/drawingml/2006/main" xmlns:r="http://schemas.openxmlformats.org/officeDocument/2006/relationships" xmlns:p="http://schemas.openxmlformats.org/presentationml/2006/main">
-  <p:cSld>
-    <p:bg>
-      <p:bgPr>
-        <a:solidFill>
-          <a:schemeClr val="bg1"/>
-        </a:solidFill>
-        <a:effectLst/>
-      </p:bgPr>
-    </p:bg>
-    <p:spTree>
-      <p:nvGrpSpPr>
-        <p:cNvPr id="1" name=""/>
-        <p:cNvGrpSpPr/>
-        <p:nvPr/>
-      </p:nvGrpSpPr>
-      <p:grpSpPr>
-        <a:xfrm>
-          <a:off x="0" y="0"/>
-          <a:ext cx="0" cy="0"/>
-          <a:chOff x="0" y="0"/>
-          <a:chExt cx="0" cy="0"/>
-        </a:xfrm>
-      </p:grpSpPr>
-      <p:sp useBgFill="1">
-        <p:nvSpPr>
-          <p:cNvPr id="29" name="Rectangle 28">
-            <a:extLst>
-              <a:ext uri="{FF2B5EF4-FFF2-40B4-BE49-F238E27FC236}">
-                <a16:creationId xmlns:a16="http://schemas.microsoft.com/office/drawing/2014/main" id="{BFDA9692-ECDC-4B59-86B2-8C90FDE1A055}"/>
-              </a:ext>
-              <a:ext uri="{C183D7F6-B498-43B3-948B-1728B52AA6E4}">
-                <adec:decorative xmlns:adec="http://schemas.microsoft.com/office/drawing/2017/decorative" val="1"/>
-              </a:ext>
-            </a:extLst>
-          </p:cNvPr>
-          <p:cNvSpPr>
-            <a:spLocks noGrp="1" noRot="1" noChangeAspect="1" noMove="1" noResize="1" noEditPoints="1" noAdjustHandles="1" noChangeArrowheads="1" noChangeShapeType="1" noTextEdit="1"/>
-          </p:cNvSpPr>
-          <p:nvPr>
-            <p:extLst>
-              <p:ext uri="{386F3935-93C4-4BCD-93E2-E3B085C9AB24}">
-                <p16:designElem xmlns:p16="http://schemas.microsoft.com/office/powerpoint/2015/main" val="1"/>
-              </p:ext>
-            </p:extLst>
-          </p:nvPr>
-        </p:nvSpPr>
-        <p:spPr>
-          <a:xfrm>
-            <a:off x="0" y="536712"/>
-            <a:ext cx="12192000" cy="6321287"/>
-          </a:xfrm>
-          <a:prstGeom prst="rect">
-            <a:avLst/>
-          </a:prstGeom>
-          <a:ln>
-            <a:noFill/>
-          </a:ln>
-        </p:spPr>
-        <p:style>
-          <a:lnRef idx="2">
-            <a:schemeClr val="accent1">
-              <a:shade val="50000"/>
-            </a:schemeClr>
-          </a:lnRef>
-          <a:fillRef idx="1">
-            <a:schemeClr val="accent1"/>
-          </a:fillRef>
-          <a:effectRef idx="0">
-            <a:schemeClr val="accent1"/>
-          </a:effectRef>
-          <a:fontRef idx="minor">
-            <a:schemeClr val="lt1"/>
-          </a:fontRef>
-        </p:style>
-        <p:txBody>
-          <a:bodyPr rtlCol="0" anchor="ctr"/>
-          <a:lstStyle/>
-          <a:p>
-            <a:pPr algn="ctr" rtl="0"/>
-            <a:endParaRPr lang="fr-FR" dirty="0"/>
-          </a:p>
-        </p:txBody>
-      </p:sp>
-      <p:sp>
-        <p:nvSpPr>
-          <p:cNvPr id="31" name="Rectangle 30">
-            <a:extLst>
-              <a:ext uri="{FF2B5EF4-FFF2-40B4-BE49-F238E27FC236}">
-                <a16:creationId xmlns:a16="http://schemas.microsoft.com/office/drawing/2014/main" id="{12C05506-42A1-49C0-9D87-081CCD9023D6}"/>
-              </a:ext>
-              <a:ext uri="{C183D7F6-B498-43B3-948B-1728B52AA6E4}">
-                <adec:decorative xmlns:adec="http://schemas.microsoft.com/office/drawing/2017/decorative" val="1"/>
-              </a:ext>
-            </a:extLst>
-          </p:cNvPr>
-          <p:cNvSpPr>
-            <a:spLocks noGrp="1" noRot="1" noChangeAspect="1" noMove="1" noResize="1" noEditPoints="1" noAdjustHandles="1" noChangeArrowheads="1" noChangeShapeType="1" noTextEdit="1"/>
-          </p:cNvSpPr>
-          <p:nvPr>
-            <p:extLst>
-              <p:ext uri="{386F3935-93C4-4BCD-93E2-E3B085C9AB24}">
-                <p16:designElem xmlns:p16="http://schemas.microsoft.com/office/powerpoint/2015/main" val="1"/>
-              </p:ext>
-            </p:extLst>
-          </p:nvPr>
-        </p:nvSpPr>
-        <p:spPr>
-          <a:xfrm>
-            <a:off x="447817" y="5141974"/>
-            <a:ext cx="11290860" cy="1258827"/>
-          </a:xfrm>
-          <a:prstGeom prst="rect">
-            <a:avLst/>
-          </a:prstGeom>
-          <a:solidFill>
-            <a:schemeClr val="accent1"/>
-          </a:solidFill>
-          <a:ln>
-            <a:noFill/>
-          </a:ln>
-          <a:effectLst/>
-        </p:spPr>
-        <p:style>
-          <a:lnRef idx="1">
-            <a:schemeClr val="accent1"/>
-          </a:lnRef>
-          <a:fillRef idx="3">
-            <a:schemeClr val="accent1"/>
-          </a:fillRef>
-          <a:effectRef idx="2">
-            <a:schemeClr val="accent1"/>
-          </a:effectRef>
-          <a:fontRef idx="minor">
-            <a:schemeClr val="lt1"/>
-          </a:fontRef>
-        </p:style>
-      </p:sp>
-      <p:sp>
-        <p:nvSpPr>
-          <p:cNvPr id="2" name="Titre 1">
-            <a:extLst>
-              <a:ext uri="{FF2B5EF4-FFF2-40B4-BE49-F238E27FC236}">
-                <a16:creationId xmlns:a16="http://schemas.microsoft.com/office/drawing/2014/main" id="{5B040558-A365-4CCE-92FA-5A48CD98F9C9}"/>
-              </a:ext>
-            </a:extLst>
-          </p:cNvPr>
-          <p:cNvSpPr>
-            <a:spLocks noGrp="1"/>
-          </p:cNvSpPr>
-          <p:nvPr>
-            <p:ph type="title"/>
-          </p:nvPr>
-        </p:nvSpPr>
-        <p:spPr>
-          <a:xfrm>
-            <a:off x="581192" y="5264487"/>
-            <a:ext cx="11029616" cy="718870"/>
-          </a:xfrm>
-        </p:spPr>
-        <p:txBody>
-          <a:bodyPr rtlCol="0">
-            <a:normAutofit/>
-          </a:bodyPr>
-          <a:lstStyle/>
-          <a:p>
-            <a:pPr rtl="0"/>
-            <a:r>
-              <a:rPr lang="fr-FR" dirty="0">
-                <a:solidFill>
-                  <a:srgbClr val="FFFEFF"/>
-                </a:solidFill>
-              </a:rPr>
-              <a:t>Exigences technologiques</a:t>
-            </a:r>
-          </a:p>
-        </p:txBody>
-      </p:sp>
-      <p:graphicFrame>
-        <p:nvGraphicFramePr>
-          <p:cNvPr id="4" name="Espace réservé au contenu 3" descr="Graphique SmartArt icône">
-            <a:extLst>
-              <a:ext uri="{FF2B5EF4-FFF2-40B4-BE49-F238E27FC236}">
-                <a16:creationId xmlns:a16="http://schemas.microsoft.com/office/drawing/2014/main" id="{81E592E1-99DF-4294-A2E9-EF46299BD3F4}"/>
-              </a:ext>
-            </a:extLst>
-          </p:cNvPr>
-          <p:cNvGraphicFramePr>
-            <a:graphicFrameLocks noGrp="1"/>
-          </p:cNvGraphicFramePr>
-          <p:nvPr>
-            <p:ph idx="1"/>
-            <p:extLst>
-              <p:ext uri="{D42A27DB-BD31-4B8C-83A1-F6EECF244321}">
-                <p14:modId xmlns:p14="http://schemas.microsoft.com/office/powerpoint/2010/main" val="2386290053"/>
-              </p:ext>
-            </p:extLst>
-          </p:nvPr>
-        </p:nvGraphicFramePr>
-        <p:xfrm>
-          <a:off x="642938" y="858445"/>
-          <a:ext cx="10906125" cy="3961205"/>
-        </p:xfrm>
-        <a:graphic>
-          <a:graphicData uri="http://schemas.openxmlformats.org/drawingml/2006/diagram">
-            <dgm:relIds xmlns:dgm="http://schemas.openxmlformats.org/drawingml/2006/diagram" xmlns:r="http://schemas.openxmlformats.org/officeDocument/2006/relationships" r:dm="rId3" r:lo="rId4" r:qs="rId5" r:cs="rId6"/>
-          </a:graphicData>
-        </a:graphic>
-      </p:graphicFrame>
-    </p:spTree>
-    <p:extLst>
-      <p:ext uri="{BB962C8B-B14F-4D97-AF65-F5344CB8AC3E}">
-        <p14:creationId xmlns:p14="http://schemas.microsoft.com/office/powerpoint/2010/main" val="1703342593"/>
-      </p:ext>
-    </p:extLst>
-  </p:cSld>
-  <p:clrMapOvr>
-    <a:masterClrMapping/>
-  </p:clrMapOvr>
-</p:sld>
-</file>
-
-<file path=ppt/slides/slide3.xml><?xml version="1.0" encoding="utf-8"?>
 <p:sld xmlns:a="http://schemas.openxmlformats.org/drawingml/2006/main" xmlns:r="http://schemas.openxmlformats.org/officeDocument/2006/relationships" xmlns:p="http://schemas.openxmlformats.org/presentationml/2006/main">
   <p:cSld>
     <p:bg>
@@ -12339,8 +9318,13 @@
             <a:pPr algn="ctr" rtl="0"/>
             <a:r>
               <a:rPr lang="fr-FR" dirty="0"/>
-              <a:t>Communications numériques</a:t>
+              <a:t>Les </a:t>
             </a:r>
+            <a:r>
+              <a:rPr lang="fr-FR"/>
+              <a:t>outlis</a:t>
+            </a:r>
+            <a:endParaRPr lang="fr-FR" dirty="0"/>
           </a:p>
         </p:txBody>
       </p:sp>
@@ -12388,7 +9372,7 @@
 </p:sld>
 </file>
 
-<file path=ppt/slides/slide4.xml><?xml version="1.0" encoding="utf-8"?>
+<file path=ppt/slides/slide3.xml><?xml version="1.0" encoding="utf-8"?>
 <p:sld xmlns:a="http://schemas.openxmlformats.org/drawingml/2006/main" xmlns:r="http://schemas.openxmlformats.org/officeDocument/2006/relationships" xmlns:p="http://schemas.openxmlformats.org/presentationml/2006/main">
   <p:cSld>
     <p:bg>
@@ -12853,7 +9837,7 @@
 </p:sld>
 </file>
 
-<file path=ppt/slides/slide5.xml><?xml version="1.0" encoding="utf-8"?>
+<file path=ppt/slides/slide4.xml><?xml version="1.0" encoding="utf-8"?>
 <p:sld xmlns:a="http://schemas.openxmlformats.org/drawingml/2006/main" xmlns:r="http://schemas.openxmlformats.org/officeDocument/2006/relationships" xmlns:p="http://schemas.openxmlformats.org/presentationml/2006/main">
   <p:cSld>
     <p:spTree>
@@ -12951,7 +9935,7 @@
 </p:sld>
 </file>
 
-<file path=ppt/slides/slide6.xml><?xml version="1.0" encoding="utf-8"?>
+<file path=ppt/slides/slide5.xml><?xml version="1.0" encoding="utf-8"?>
 <p:sld xmlns:a="http://schemas.openxmlformats.org/drawingml/2006/main" xmlns:r="http://schemas.openxmlformats.org/officeDocument/2006/relationships" xmlns:p="http://schemas.openxmlformats.org/presentationml/2006/main">
   <p:cSld>
     <p:spTree>
@@ -13181,7 +10165,7 @@
 </p:sld>
 </file>
 
-<file path=ppt/slides/slide7.xml><?xml version="1.0" encoding="utf-8"?>
+<file path=ppt/slides/slide6.xml><?xml version="1.0" encoding="utf-8"?>
 <p:sld xmlns:a="http://schemas.openxmlformats.org/drawingml/2006/main" xmlns:r="http://schemas.openxmlformats.org/officeDocument/2006/relationships" xmlns:p="http://schemas.openxmlformats.org/presentationml/2006/main">
   <p:cSld>
     <p:spTree>
@@ -13277,7 +10261,7 @@
 </p:sld>
 </file>
 
-<file path=ppt/slides/slide8.xml><?xml version="1.0" encoding="utf-8"?>
+<file path=ppt/slides/slide7.xml><?xml version="1.0" encoding="utf-8"?>
 <p:sld xmlns:a="http://schemas.openxmlformats.org/drawingml/2006/main" xmlns:r="http://schemas.openxmlformats.org/officeDocument/2006/relationships" xmlns:p="http://schemas.openxmlformats.org/presentationml/2006/main">
   <p:cSld>
     <p:spTree>
@@ -13365,7 +10349,7 @@
 </p:sld>
 </file>
 
-<file path=ppt/slides/slide9.xml><?xml version="1.0" encoding="utf-8"?>
+<file path=ppt/slides/slide8.xml><?xml version="1.0" encoding="utf-8"?>
 <p:sld xmlns:a="http://schemas.openxmlformats.org/drawingml/2006/main" xmlns:r="http://schemas.openxmlformats.org/officeDocument/2006/relationships" xmlns:p="http://schemas.openxmlformats.org/presentationml/2006/main">
   <p:cSld>
     <p:spTree>
@@ -13462,6 +10446,94 @@
     <p:extLst>
       <p:ext uri="{BB962C8B-B14F-4D97-AF65-F5344CB8AC3E}">
         <p14:creationId xmlns:p14="http://schemas.microsoft.com/office/powerpoint/2010/main" val="3197229598"/>
+      </p:ext>
+    </p:extLst>
+  </p:cSld>
+  <p:clrMapOvr>
+    <a:masterClrMapping/>
+  </p:clrMapOvr>
+</p:sld>
+</file>
+
+<file path=ppt/slides/slide9.xml><?xml version="1.0" encoding="utf-8"?>
+<p:sld xmlns:a="http://schemas.openxmlformats.org/drawingml/2006/main" xmlns:r="http://schemas.openxmlformats.org/officeDocument/2006/relationships" xmlns:p="http://schemas.openxmlformats.org/presentationml/2006/main">
+  <p:cSld>
+    <p:spTree>
+      <p:nvGrpSpPr>
+        <p:cNvPr id="1" name=""/>
+        <p:cNvGrpSpPr/>
+        <p:nvPr/>
+      </p:nvGrpSpPr>
+      <p:grpSpPr>
+        <a:xfrm>
+          <a:off x="0" y="0"/>
+          <a:ext cx="0" cy="0"/>
+          <a:chOff x="0" y="0"/>
+          <a:chExt cx="0" cy="0"/>
+        </a:xfrm>
+      </p:grpSpPr>
+      <p:sp>
+        <p:nvSpPr>
+          <p:cNvPr id="2" name="Titre 1">
+            <a:extLst>
+              <a:ext uri="{FF2B5EF4-FFF2-40B4-BE49-F238E27FC236}">
+                <a16:creationId xmlns:a16="http://schemas.microsoft.com/office/drawing/2014/main" id="{F9904800-876F-485D-A7A0-0FACE59E6EF9}"/>
+              </a:ext>
+            </a:extLst>
+          </p:cNvPr>
+          <p:cNvSpPr>
+            <a:spLocks noGrp="1"/>
+          </p:cNvSpPr>
+          <p:nvPr>
+            <p:ph type="title"/>
+          </p:nvPr>
+        </p:nvSpPr>
+        <p:spPr/>
+        <p:txBody>
+          <a:bodyPr/>
+          <a:lstStyle/>
+          <a:p>
+            <a:r>
+              <a:rPr lang="fr-MA" dirty="0" err="1"/>
+              <a:t>hotgloo</a:t>
+            </a:r>
+            <a:endParaRPr lang="fr-MA" dirty="0"/>
+          </a:p>
+        </p:txBody>
+      </p:sp>
+      <p:pic>
+        <p:nvPicPr>
+          <p:cNvPr id="5" name="Espace réservé du contenu 4">
+            <a:extLst>
+              <a:ext uri="{FF2B5EF4-FFF2-40B4-BE49-F238E27FC236}">
+                <a16:creationId xmlns:a16="http://schemas.microsoft.com/office/drawing/2014/main" id="{83CED0D0-B542-43D9-B2BA-EC9F5F3541CC}"/>
+              </a:ext>
+            </a:extLst>
+          </p:cNvPr>
+          <p:cNvPicPr>
+            <a:picLocks noGrp="1" noChangeAspect="1"/>
+          </p:cNvPicPr>
+          <p:nvPr>
+            <p:ph idx="1"/>
+          </p:nvPr>
+        </p:nvPicPr>
+        <p:blipFill>
+          <a:blip r:embed="rId2"/>
+          <a:stretch>
+            <a:fillRect/>
+          </a:stretch>
+        </p:blipFill>
+        <p:spPr>
+          <a:xfrm>
+            <a:off x="650449" y="2181224"/>
+            <a:ext cx="10960359" cy="4332697"/>
+          </a:xfrm>
+        </p:spPr>
+      </p:pic>
+    </p:spTree>
+    <p:extLst>
+      <p:ext uri="{BB962C8B-B14F-4D97-AF65-F5344CB8AC3E}">
+        <p14:creationId xmlns:p14="http://schemas.microsoft.com/office/powerpoint/2010/main" val="2893907378"/>
       </p:ext>
     </p:extLst>
   </p:cSld>
@@ -14542,20 +11614,20 @@
 </file>
 
 <file path=customXml/item2.xml><?xml version="1.0" encoding="utf-8"?>
-<p:properties xmlns:p="http://schemas.microsoft.com/office/2006/metadata/properties" xmlns:xsi="http://www.w3.org/2001/XMLSchema-instance" xmlns:pc="http://schemas.microsoft.com/office/infopath/2007/PartnerControls">
-  <documentManagement>
-    <MediaServiceKeyPoints xmlns="71af3243-3dd4-4a8d-8c0d-dd76da1f02a5" xsi:nil="true"/>
-  </documentManagement>
-</p:properties>
-</file>
-
-<file path=customXml/item3.xml><?xml version="1.0" encoding="utf-8"?>
 <?mso-contentType ?>
 <FormTemplates xmlns="http://schemas.microsoft.com/sharepoint/v3/contenttype/forms">
   <Display>DocumentLibraryForm</Display>
   <Edit>DocumentLibraryForm</Edit>
   <New>DocumentLibraryForm</New>
 </FormTemplates>
+</file>
+
+<file path=customXml/item3.xml><?xml version="1.0" encoding="utf-8"?>
+<p:properties xmlns:p="http://schemas.microsoft.com/office/2006/metadata/properties" xmlns:xsi="http://www.w3.org/2001/XMLSchema-instance" xmlns:pc="http://schemas.microsoft.com/office/infopath/2007/PartnerControls">
+  <documentManagement>
+    <MediaServiceKeyPoints xmlns="71af3243-3dd4-4a8d-8c0d-dd76da1f02a5" xsi:nil="true"/>
+  </documentManagement>
+</p:properties>
 </file>
 
 <file path=customXml/itemProps1.xml><?xml version="1.0" encoding="utf-8"?>
@@ -14578,6 +11650,14 @@
 </file>
 
 <file path=customXml/itemProps2.xml><?xml version="1.0" encoding="utf-8"?>
+<ds:datastoreItem xmlns:ds="http://schemas.openxmlformats.org/officeDocument/2006/customXml" ds:itemID="{2B21BF1A-59D3-4E19-9B95-2FD4309AC3AF}">
+  <ds:schemaRefs>
+    <ds:schemaRef ds:uri="http://schemas.microsoft.com/sharepoint/v3/contenttype/forms"/>
+  </ds:schemaRefs>
+</ds:datastoreItem>
+</file>
+
+<file path=customXml/itemProps3.xml><?xml version="1.0" encoding="utf-8"?>
 <ds:datastoreItem xmlns:ds="http://schemas.openxmlformats.org/officeDocument/2006/customXml" ds:itemID="{F651EF32-6551-47EB-8BA9-22EF81F3DDAC}">
   <ds:schemaRefs>
     <ds:schemaRef ds:uri="http://schemas.microsoft.com/office/2006/metadata/properties"/>
@@ -14585,12 +11665,4 @@
     <ds:schemaRef ds:uri="71af3243-3dd4-4a8d-8c0d-dd76da1f02a5"/>
   </ds:schemaRefs>
 </ds:datastoreItem>
-</file>
-
-<file path=customXml/itemProps3.xml><?xml version="1.0" encoding="utf-8"?>
-<ds:datastoreItem xmlns:ds="http://schemas.openxmlformats.org/officeDocument/2006/customXml" ds:itemID="{2B21BF1A-59D3-4E19-9B95-2FD4309AC3AF}">
-  <ds:schemaRefs>
-    <ds:schemaRef ds:uri="http://schemas.microsoft.com/sharepoint/v3/contenttype/forms"/>
-  </ds:schemaRefs>
-</ds:datastoreItem>
 </file>